--- a/Class 9.pptx
+++ b/Class 9.pptx
@@ -5,12 +5,19 @@
     <p:sldMasterId id="2147483672" r:id="rId1"/>
   </p:sldMasterIdLst>
   <p:notesMasterIdLst>
-    <p:notesMasterId r:id="rId5"/>
+    <p:notesMasterId r:id="rId12"/>
   </p:notesMasterIdLst>
   <p:sldIdLst>
     <p:sldId id="256" r:id="rId2"/>
-    <p:sldId id="375" r:id="rId3"/>
-    <p:sldId id="376" r:id="rId4"/>
+    <p:sldId id="380" r:id="rId3"/>
+    <p:sldId id="379" r:id="rId4"/>
+    <p:sldId id="377" r:id="rId5"/>
+    <p:sldId id="381" r:id="rId6"/>
+    <p:sldId id="382" r:id="rId7"/>
+    <p:sldId id="383" r:id="rId8"/>
+    <p:sldId id="384" r:id="rId9"/>
+    <p:sldId id="375" r:id="rId10"/>
+    <p:sldId id="376" r:id="rId11"/>
   </p:sldIdLst>
   <p:sldSz cx="12192000" cy="6858000"/>
   <p:notesSz cx="6858000" cy="9144000"/>
@@ -199,7 +206,7 @@
           <a:p>
             <a:fld id="{91553857-FF24-F64E-8D31-96B246FE7FC7}" type="datetimeFigureOut">
               <a:rPr lang="en-US" smtClean="0"/>
-              <a:t>9/17/18</a:t>
+              <a:t>9/21/18</a:t>
             </a:fld>
             <a:endParaRPr lang="en-US"/>
           </a:p>
@@ -635,7 +642,7 @@
           <a:p>
             <a:fld id="{C42C6571-5E6A-784B-B936-D3B05221CD33}" type="datetimeFigureOut">
               <a:rPr lang="en-US" smtClean="0"/>
-              <a:t>9/17/18</a:t>
+              <a:t>9/21/18</a:t>
             </a:fld>
             <a:endParaRPr lang="en-US"/>
           </a:p>
@@ -960,7 +967,7 @@
           <a:p>
             <a:fld id="{C42C6571-5E6A-784B-B936-D3B05221CD33}" type="datetimeFigureOut">
               <a:rPr lang="en-US" smtClean="0"/>
-              <a:t>9/17/18</a:t>
+              <a:t>9/21/18</a:t>
             </a:fld>
             <a:endParaRPr lang="en-US"/>
           </a:p>
@@ -1135,7 +1142,7 @@
           <a:p>
             <a:fld id="{C42C6571-5E6A-784B-B936-D3B05221CD33}" type="datetimeFigureOut">
               <a:rPr lang="en-US" smtClean="0"/>
-              <a:t>9/17/18</a:t>
+              <a:t>9/21/18</a:t>
             </a:fld>
             <a:endParaRPr lang="en-US"/>
           </a:p>
@@ -1304,7 +1311,7 @@
           <a:p>
             <a:fld id="{C42C6571-5E6A-784B-B936-D3B05221CD33}" type="datetimeFigureOut">
               <a:rPr lang="en-US" smtClean="0"/>
-              <a:t>9/17/18</a:t>
+              <a:t>9/21/18</a:t>
             </a:fld>
             <a:endParaRPr lang="en-US"/>
           </a:p>
@@ -1576,7 +1583,7 @@
           <a:p>
             <a:fld id="{C42C6571-5E6A-784B-B936-D3B05221CD33}" type="datetimeFigureOut">
               <a:rPr lang="en-US" smtClean="0"/>
-              <a:t>9/17/18</a:t>
+              <a:t>9/21/18</a:t>
             </a:fld>
             <a:endParaRPr lang="en-US"/>
           </a:p>
@@ -1965,7 +1972,7 @@
           <a:p>
             <a:fld id="{C42C6571-5E6A-784B-B936-D3B05221CD33}" type="datetimeFigureOut">
               <a:rPr lang="en-US" smtClean="0"/>
-              <a:t>9/17/18</a:t>
+              <a:t>9/21/18</a:t>
             </a:fld>
             <a:endParaRPr lang="en-US"/>
           </a:p>
@@ -2437,7 +2444,7 @@
           <a:p>
             <a:fld id="{C42C6571-5E6A-784B-B936-D3B05221CD33}" type="datetimeFigureOut">
               <a:rPr lang="en-US" smtClean="0"/>
-              <a:t>9/17/18</a:t>
+              <a:t>9/21/18</a:t>
             </a:fld>
             <a:endParaRPr lang="en-US"/>
           </a:p>
@@ -2550,7 +2557,7 @@
           <a:p>
             <a:fld id="{C42C6571-5E6A-784B-B936-D3B05221CD33}" type="datetimeFigureOut">
               <a:rPr lang="en-US" smtClean="0"/>
-              <a:t>9/17/18</a:t>
+              <a:t>9/21/18</a:t>
             </a:fld>
             <a:endParaRPr lang="en-US"/>
           </a:p>
@@ -2640,7 +2647,7 @@
           <a:p>
             <a:fld id="{C42C6571-5E6A-784B-B936-D3B05221CD33}" type="datetimeFigureOut">
               <a:rPr lang="en-US" smtClean="0"/>
-              <a:t>9/17/18</a:t>
+              <a:t>9/21/18</a:t>
             </a:fld>
             <a:endParaRPr lang="en-US"/>
           </a:p>
@@ -2981,7 +2988,7 @@
           <a:p>
             <a:fld id="{C42C6571-5E6A-784B-B936-D3B05221CD33}" type="datetimeFigureOut">
               <a:rPr lang="en-US" smtClean="0"/>
-              <a:t>9/17/18</a:t>
+              <a:t>9/21/18</a:t>
             </a:fld>
             <a:endParaRPr lang="en-US"/>
           </a:p>
@@ -3364,7 +3371,7 @@
           <a:p>
             <a:fld id="{C42C6571-5E6A-784B-B936-D3B05221CD33}" type="datetimeFigureOut">
               <a:rPr lang="en-US" smtClean="0"/>
-              <a:t>9/17/18</a:t>
+              <a:t>9/21/18</a:t>
             </a:fld>
             <a:endParaRPr lang="en-US"/>
           </a:p>
@@ -3637,7 +3644,7 @@
           <a:p>
             <a:fld id="{C42C6571-5E6A-784B-B936-D3B05221CD33}" type="datetimeFigureOut">
               <a:rPr lang="en-US" smtClean="0"/>
-              <a:t>9/17/18</a:t>
+              <a:t>9/21/18</a:t>
             </a:fld>
             <a:endParaRPr lang="en-US"/>
           </a:p>
@@ -4207,6 +4214,134 @@
 </p:sld>
 </file>
 
+<file path=ppt/slides/slide10.xml><?xml version="1.0" encoding="utf-8"?>
+<p:sld xmlns:a="http://schemas.openxmlformats.org/drawingml/2006/main" xmlns:r="http://schemas.openxmlformats.org/officeDocument/2006/relationships" xmlns:p="http://schemas.openxmlformats.org/presentationml/2006/main">
+  <p:cSld>
+    <p:spTree>
+      <p:nvGrpSpPr>
+        <p:cNvPr id="1" name=""/>
+        <p:cNvGrpSpPr/>
+        <p:nvPr/>
+      </p:nvGrpSpPr>
+      <p:grpSpPr>
+        <a:xfrm>
+          <a:off x="0" y="0"/>
+          <a:ext cx="0" cy="0"/>
+          <a:chOff x="0" y="0"/>
+          <a:chExt cx="0" cy="0"/>
+        </a:xfrm>
+      </p:grpSpPr>
+      <p:sp>
+        <p:nvSpPr>
+          <p:cNvPr id="2" name="Title 1">
+            <a:extLst>
+              <a:ext uri="{FF2B5EF4-FFF2-40B4-BE49-F238E27FC236}">
+                <a16:creationId xmlns:a16="http://schemas.microsoft.com/office/drawing/2014/main" id="{3F871639-BB5F-F844-9FFA-3D37369566E3}"/>
+              </a:ext>
+            </a:extLst>
+          </p:cNvPr>
+          <p:cNvSpPr>
+            <a:spLocks noGrp="1"/>
+          </p:cNvSpPr>
+          <p:nvPr>
+            <p:ph type="title"/>
+          </p:nvPr>
+        </p:nvSpPr>
+        <p:spPr/>
+        <p:txBody>
+          <a:bodyPr/>
+          <a:lstStyle/>
+          <a:p>
+            <a:r>
+              <a:rPr lang="en-US" dirty="0"/>
+              <a:t>Please be able to load the following libraries</a:t>
+            </a:r>
+          </a:p>
+        </p:txBody>
+      </p:sp>
+      <p:sp>
+        <p:nvSpPr>
+          <p:cNvPr id="3" name="Content Placeholder 2">
+            <a:extLst>
+              <a:ext uri="{FF2B5EF4-FFF2-40B4-BE49-F238E27FC236}">
+                <a16:creationId xmlns:a16="http://schemas.microsoft.com/office/drawing/2014/main" id="{B0ABF65C-A12F-8442-AD8B-4984D44E4488}"/>
+              </a:ext>
+            </a:extLst>
+          </p:cNvPr>
+          <p:cNvSpPr>
+            <a:spLocks noGrp="1"/>
+          </p:cNvSpPr>
+          <p:nvPr>
+            <p:ph sz="half" idx="1"/>
+          </p:nvPr>
+        </p:nvSpPr>
+        <p:spPr/>
+        <p:txBody>
+          <a:bodyPr/>
+          <a:lstStyle/>
+          <a:p>
+            <a:r>
+              <a:rPr lang="en-US" dirty="0" err="1"/>
+              <a:t>httr</a:t>
+            </a:r>
+            <a:endParaRPr lang="en-US" dirty="0"/>
+          </a:p>
+          <a:p>
+            <a:r>
+              <a:rPr lang="en-US" dirty="0"/>
+              <a:t>Make API calls</a:t>
+            </a:r>
+          </a:p>
+        </p:txBody>
+      </p:sp>
+      <p:sp>
+        <p:nvSpPr>
+          <p:cNvPr id="4" name="Content Placeholder 3">
+            <a:extLst>
+              <a:ext uri="{FF2B5EF4-FFF2-40B4-BE49-F238E27FC236}">
+                <a16:creationId xmlns:a16="http://schemas.microsoft.com/office/drawing/2014/main" id="{BAE8C708-EB2C-4D4C-98B8-BC0BF14A8E2E}"/>
+              </a:ext>
+            </a:extLst>
+          </p:cNvPr>
+          <p:cNvSpPr>
+            <a:spLocks noGrp="1"/>
+          </p:cNvSpPr>
+          <p:nvPr>
+            <p:ph sz="half" idx="2"/>
+          </p:nvPr>
+        </p:nvSpPr>
+        <p:spPr/>
+        <p:txBody>
+          <a:bodyPr/>
+          <a:lstStyle/>
+          <a:p>
+            <a:r>
+              <a:rPr lang="en-US" dirty="0" err="1"/>
+              <a:t>jsonlite</a:t>
+            </a:r>
+            <a:endParaRPr lang="en-US" dirty="0"/>
+          </a:p>
+          <a:p>
+            <a:r>
+              <a:rPr lang="en-US" dirty="0"/>
+              <a:t>Easily load and read JSON objects in R</a:t>
+            </a:r>
+          </a:p>
+        </p:txBody>
+      </p:sp>
+    </p:spTree>
+    <p:extLst>
+      <p:ext uri="{BB962C8B-B14F-4D97-AF65-F5344CB8AC3E}">
+        <p14:creationId xmlns:p14="http://schemas.microsoft.com/office/powerpoint/2010/main" val="2995080687"/>
+      </p:ext>
+    </p:extLst>
+  </p:cSld>
+  <p:clrMapOvr>
+    <a:masterClrMapping/>
+  </p:clrMapOvr>
+</p:sld>
+</file>
+
 <file path=ppt/slides/slide2.xml><?xml version="1.0" encoding="utf-8"?>
 <p:sld xmlns:a="http://schemas.openxmlformats.org/drawingml/2006/main" xmlns:r="http://schemas.openxmlformats.org/officeDocument/2006/relationships" xmlns:p="http://schemas.openxmlformats.org/presentationml/2006/main">
   <p:cSld>
@@ -4229,7 +4364,7 @@
           <p:cNvPr id="2" name="Title 1">
             <a:extLst>
               <a:ext uri="{FF2B5EF4-FFF2-40B4-BE49-F238E27FC236}">
-                <a16:creationId xmlns:a16="http://schemas.microsoft.com/office/drawing/2014/main" id="{630B28CF-9A9F-BB44-B219-CB5CE04F45F0}"/>
+                <a16:creationId xmlns:a16="http://schemas.microsoft.com/office/drawing/2014/main" id="{38F6EA6F-FB14-B04D-9768-28C456F7A8E9}"/>
               </a:ext>
             </a:extLst>
           </p:cNvPr>
@@ -4247,17 +4382,17 @@
           <a:p>
             <a:r>
               <a:rPr lang="en-US" dirty="0"/>
-              <a:t>For Next Week</a:t>
-            </a:r>
-          </a:p>
-        </p:txBody>
-      </p:sp>
-      <p:sp>
-        <p:nvSpPr>
-          <p:cNvPr id="3" name="Text Placeholder 2">
+              <a:t>Agenda</a:t>
+            </a:r>
+          </a:p>
+        </p:txBody>
+      </p:sp>
+      <p:sp>
+        <p:nvSpPr>
+          <p:cNvPr id="3" name="Content Placeholder 2">
             <a:extLst>
               <a:ext uri="{FF2B5EF4-FFF2-40B4-BE49-F238E27FC236}">
-                <a16:creationId xmlns:a16="http://schemas.microsoft.com/office/drawing/2014/main" id="{88282735-CB15-C446-86EE-E7142686654E}"/>
+                <a16:creationId xmlns:a16="http://schemas.microsoft.com/office/drawing/2014/main" id="{8A875008-7ECA-2A4D-BFC6-6413046F13E1}"/>
               </a:ext>
             </a:extLst>
           </p:cNvPr>
@@ -4265,22 +4400,139 @@
             <a:spLocks noGrp="1"/>
           </p:cNvSpPr>
           <p:nvPr>
-            <p:ph type="body" idx="1"/>
+            <p:ph sz="half" idx="1"/>
           </p:nvPr>
         </p:nvSpPr>
         <p:spPr/>
         <p:txBody>
-          <a:bodyPr/>
+          <a:bodyPr>
+            <a:normAutofit/>
+          </a:bodyPr>
           <a:lstStyle/>
           <a:p>
+            <a:r>
+              <a:rPr lang="en-US" dirty="0"/>
+              <a:t>Project 1 Review</a:t>
+            </a:r>
+          </a:p>
+          <a:p>
+            <a:r>
+              <a:rPr lang="en-US" dirty="0"/>
+              <a:t>Homework 3</a:t>
+            </a:r>
+          </a:p>
+          <a:p>
+            <a:r>
+              <a:rPr lang="en-US" dirty="0"/>
+              <a:t>Shapefiles in R</a:t>
+            </a:r>
+          </a:p>
+          <a:p>
+            <a:r>
+              <a:rPr lang="en-US" dirty="0"/>
+              <a:t>Leaflet</a:t>
+            </a:r>
+          </a:p>
+          <a:p>
+            <a:r>
+              <a:rPr lang="en-US" dirty="0" err="1"/>
+              <a:t>Basemaps</a:t>
+            </a:r>
             <a:endParaRPr lang="en-US" dirty="0"/>
+          </a:p>
+          <a:p>
+            <a:r>
+              <a:rPr lang="en-US" dirty="0"/>
+              <a:t>Lines</a:t>
+            </a:r>
+          </a:p>
+          <a:p>
+            <a:r>
+              <a:rPr lang="en-US" dirty="0"/>
+              <a:t>Shapes</a:t>
+            </a:r>
+          </a:p>
+          <a:p>
+            <a:r>
+              <a:rPr lang="en-US" dirty="0"/>
+              <a:t>Points</a:t>
+            </a:r>
+          </a:p>
+          <a:p>
+            <a:endParaRPr lang="en-US" dirty="0"/>
+          </a:p>
+        </p:txBody>
+      </p:sp>
+      <p:sp>
+        <p:nvSpPr>
+          <p:cNvPr id="4" name="Content Placeholder 3">
+            <a:extLst>
+              <a:ext uri="{FF2B5EF4-FFF2-40B4-BE49-F238E27FC236}">
+                <a16:creationId xmlns:a16="http://schemas.microsoft.com/office/drawing/2014/main" id="{319B700D-81E6-6F4C-B742-61128808AB7B}"/>
+              </a:ext>
+            </a:extLst>
+          </p:cNvPr>
+          <p:cNvSpPr>
+            <a:spLocks noGrp="1"/>
+          </p:cNvSpPr>
+          <p:nvPr>
+            <p:ph sz="half" idx="2"/>
+          </p:nvPr>
+        </p:nvSpPr>
+        <p:spPr/>
+        <p:txBody>
+          <a:bodyPr/>
+          <a:lstStyle/>
+          <a:p>
+            <a:r>
+              <a:rPr lang="en-US" dirty="0"/>
+              <a:t>Legends</a:t>
+            </a:r>
+          </a:p>
+          <a:p>
+            <a:r>
+              <a:rPr lang="en-US" dirty="0"/>
+              <a:t>Colors</a:t>
+            </a:r>
+          </a:p>
+          <a:p>
+            <a:r>
+              <a:rPr lang="en-US" dirty="0"/>
+              <a:t>Heatmaps</a:t>
+            </a:r>
+          </a:p>
+          <a:p>
+            <a:r>
+              <a:rPr lang="en-US" dirty="0"/>
+              <a:t>Add </a:t>
+            </a:r>
+            <a:r>
+              <a:rPr lang="en-US" dirty="0" err="1"/>
+              <a:t>Ons</a:t>
+            </a:r>
+            <a:r>
+              <a:rPr lang="en-US" dirty="0"/>
+              <a:t> &amp; Other things</a:t>
+            </a:r>
+          </a:p>
+          <a:p>
+            <a:r>
+              <a:rPr lang="en-US" dirty="0"/>
+              <a:t>Shiny integration</a:t>
+            </a:r>
+          </a:p>
+          <a:p>
+            <a:r>
+              <a:rPr lang="en-US" dirty="0"/>
+              <a:t>Leaflet Proxy</a:t>
+            </a:r>
           </a:p>
         </p:txBody>
       </p:sp>
     </p:spTree>
     <p:extLst>
       <p:ext uri="{BB962C8B-B14F-4D97-AF65-F5344CB8AC3E}">
-        <p14:creationId xmlns:p14="http://schemas.microsoft.com/office/powerpoint/2010/main" val="1211274615"/>
+        <p14:creationId xmlns:p14="http://schemas.microsoft.com/office/powerpoint/2010/main" val="4146018154"/>
       </p:ext>
     </p:extLst>
   </p:cSld>
@@ -4312,7 +4564,7 @@
           <p:cNvPr id="2" name="Title 1">
             <a:extLst>
               <a:ext uri="{FF2B5EF4-FFF2-40B4-BE49-F238E27FC236}">
-                <a16:creationId xmlns:a16="http://schemas.microsoft.com/office/drawing/2014/main" id="{3F871639-BB5F-F844-9FFA-3D37369566E3}"/>
+                <a16:creationId xmlns:a16="http://schemas.microsoft.com/office/drawing/2014/main" id="{DC54123F-79C1-7A4D-890B-CDE303DF17C2}"/>
               </a:ext>
             </a:extLst>
           </p:cNvPr>
@@ -4330,7 +4582,90 @@
           <a:p>
             <a:r>
               <a:rPr lang="en-US" dirty="0"/>
-              <a:t>Please be able to load the following libraries</a:t>
+              <a:t>Leaflet</a:t>
+            </a:r>
+          </a:p>
+        </p:txBody>
+      </p:sp>
+      <p:sp>
+        <p:nvSpPr>
+          <p:cNvPr id="3" name="Text Placeholder 2">
+            <a:extLst>
+              <a:ext uri="{FF2B5EF4-FFF2-40B4-BE49-F238E27FC236}">
+                <a16:creationId xmlns:a16="http://schemas.microsoft.com/office/drawing/2014/main" id="{3B486944-D159-754C-964D-2715CC8FC80C}"/>
+              </a:ext>
+            </a:extLst>
+          </p:cNvPr>
+          <p:cNvSpPr>
+            <a:spLocks noGrp="1"/>
+          </p:cNvSpPr>
+          <p:nvPr>
+            <p:ph type="body" idx="1"/>
+          </p:nvPr>
+        </p:nvSpPr>
+        <p:spPr/>
+        <p:txBody>
+          <a:bodyPr/>
+          <a:lstStyle/>
+          <a:p>
+            <a:endParaRPr lang="en-US"/>
+          </a:p>
+        </p:txBody>
+      </p:sp>
+    </p:spTree>
+    <p:extLst>
+      <p:ext uri="{BB962C8B-B14F-4D97-AF65-F5344CB8AC3E}">
+        <p14:creationId xmlns:p14="http://schemas.microsoft.com/office/powerpoint/2010/main" val="3374088551"/>
+      </p:ext>
+    </p:extLst>
+  </p:cSld>
+  <p:clrMapOvr>
+    <a:masterClrMapping/>
+  </p:clrMapOvr>
+</p:sld>
+</file>
+
+<file path=ppt/slides/slide4.xml><?xml version="1.0" encoding="utf-8"?>
+<p:sld xmlns:a="http://schemas.openxmlformats.org/drawingml/2006/main" xmlns:r="http://schemas.openxmlformats.org/officeDocument/2006/relationships" xmlns:p="http://schemas.openxmlformats.org/presentationml/2006/main">
+  <p:cSld>
+    <p:spTree>
+      <p:nvGrpSpPr>
+        <p:cNvPr id="1" name=""/>
+        <p:cNvGrpSpPr/>
+        <p:nvPr/>
+      </p:nvGrpSpPr>
+      <p:grpSpPr>
+        <a:xfrm>
+          <a:off x="0" y="0"/>
+          <a:ext cx="0" cy="0"/>
+          <a:chOff x="0" y="0"/>
+          <a:chExt cx="0" cy="0"/>
+        </a:xfrm>
+      </p:grpSpPr>
+      <p:sp>
+        <p:nvSpPr>
+          <p:cNvPr id="2" name="Title 1">
+            <a:extLst>
+              <a:ext uri="{FF2B5EF4-FFF2-40B4-BE49-F238E27FC236}">
+                <a16:creationId xmlns:a16="http://schemas.microsoft.com/office/drawing/2014/main" id="{19CAC71E-1006-9444-AB22-D1E616791347}"/>
+              </a:ext>
+            </a:extLst>
+          </p:cNvPr>
+          <p:cNvSpPr>
+            <a:spLocks noGrp="1"/>
+          </p:cNvSpPr>
+          <p:nvPr>
+            <p:ph type="title"/>
+          </p:nvPr>
+        </p:nvSpPr>
+        <p:spPr/>
+        <p:txBody>
+          <a:bodyPr/>
+          <a:lstStyle/>
+          <a:p>
+            <a:r>
+              <a:rPr lang="en-US" dirty="0"/>
+              <a:t>Making sure you have the right stuff</a:t>
             </a:r>
           </a:p>
         </p:txBody>
@@ -4340,7 +4675,7 @@
           <p:cNvPr id="3" name="Content Placeholder 2">
             <a:extLst>
               <a:ext uri="{FF2B5EF4-FFF2-40B4-BE49-F238E27FC236}">
-                <a16:creationId xmlns:a16="http://schemas.microsoft.com/office/drawing/2014/main" id="{B0ABF65C-A12F-8442-AD8B-4984D44E4488}"/>
+                <a16:creationId xmlns:a16="http://schemas.microsoft.com/office/drawing/2014/main" id="{D6321D6E-E954-A347-BDAD-CC57C2F7474B}"/>
               </a:ext>
             </a:extLst>
           </p:cNvPr>
@@ -4348,7 +4683,7 @@
             <a:spLocks noGrp="1"/>
           </p:cNvSpPr>
           <p:nvPr>
-            <p:ph sz="half" idx="1"/>
+            <p:ph idx="1"/>
           </p:nvPr>
         </p:nvSpPr>
         <p:spPr/>
@@ -4356,26 +4691,96 @@
           <a:bodyPr/>
           <a:lstStyle/>
           <a:p>
+            <a:pPr marL="0" indent="0">
+              <a:buNone/>
+            </a:pPr>
+            <a:r>
+              <a:rPr lang="en-US" dirty="0"/>
+              <a:t>Install these packages:</a:t>
+            </a:r>
+          </a:p>
+          <a:p>
             <a:r>
               <a:rPr lang="en-US" dirty="0" err="1"/>
-              <a:t>httr</a:t>
+              <a:t>rgdal</a:t>
+            </a:r>
+            <a:r>
+              <a:rPr lang="en-US" dirty="0"/>
+              <a:t>: </a:t>
+            </a:r>
+            <a:r>
+              <a:rPr lang="en-US" dirty="0">
+                <a:hlinkClick r:id="rId2"/>
+              </a:rPr>
+              <a:t>https://github.com/cran/rgdal/blob/master/inst/README</a:t>
             </a:r>
             <a:endParaRPr lang="en-US" dirty="0"/>
           </a:p>
           <a:p>
             <a:r>
+              <a:rPr lang="en-US" dirty="0" err="1"/>
+              <a:t>rgeos</a:t>
+            </a:r>
+            <a:endParaRPr lang="en-US" dirty="0"/>
+          </a:p>
+          <a:p>
+            <a:r>
+              <a:rPr lang="en-US" dirty="0" err="1"/>
+              <a:t>sp</a:t>
+            </a:r>
+            <a:endParaRPr lang="en-US" dirty="0"/>
+          </a:p>
+          <a:p>
+            <a:r>
               <a:rPr lang="en-US" dirty="0"/>
-              <a:t>Make API calls</a:t>
-            </a:r>
-          </a:p>
-        </p:txBody>
-      </p:sp>
-      <p:sp>
-        <p:nvSpPr>
-          <p:cNvPr id="4" name="Content Placeholder 3">
+              <a:t>leaflet</a:t>
+            </a:r>
+          </a:p>
+          <a:p>
+            <a:r>
+              <a:rPr lang="en-US" dirty="0" err="1"/>
+              <a:t>leaflet.extras</a:t>
+            </a:r>
+            <a:endParaRPr lang="en-US" dirty="0"/>
+          </a:p>
+        </p:txBody>
+      </p:sp>
+    </p:spTree>
+    <p:extLst>
+      <p:ext uri="{BB962C8B-B14F-4D97-AF65-F5344CB8AC3E}">
+        <p14:creationId xmlns:p14="http://schemas.microsoft.com/office/powerpoint/2010/main" val="2805429434"/>
+      </p:ext>
+    </p:extLst>
+  </p:cSld>
+  <p:clrMapOvr>
+    <a:masterClrMapping/>
+  </p:clrMapOvr>
+</p:sld>
+</file>
+
+<file path=ppt/slides/slide5.xml><?xml version="1.0" encoding="utf-8"?>
+<p:sld xmlns:a="http://schemas.openxmlformats.org/drawingml/2006/main" xmlns:r="http://schemas.openxmlformats.org/officeDocument/2006/relationships" xmlns:p="http://schemas.openxmlformats.org/presentationml/2006/main">
+  <p:cSld>
+    <p:spTree>
+      <p:nvGrpSpPr>
+        <p:cNvPr id="1" name=""/>
+        <p:cNvGrpSpPr/>
+        <p:nvPr/>
+      </p:nvGrpSpPr>
+      <p:grpSpPr>
+        <a:xfrm>
+          <a:off x="0" y="0"/>
+          <a:ext cx="0" cy="0"/>
+          <a:chOff x="0" y="0"/>
+          <a:chExt cx="0" cy="0"/>
+        </a:xfrm>
+      </p:grpSpPr>
+      <p:sp>
+        <p:nvSpPr>
+          <p:cNvPr id="2" name="Title 1">
             <a:extLst>
               <a:ext uri="{FF2B5EF4-FFF2-40B4-BE49-F238E27FC236}">
-                <a16:creationId xmlns:a16="http://schemas.microsoft.com/office/drawing/2014/main" id="{BAE8C708-EB2C-4D4C-98B8-BC0BF14A8E2E}"/>
+                <a16:creationId xmlns:a16="http://schemas.microsoft.com/office/drawing/2014/main" id="{163BD7A4-6256-A94B-83B6-647741AC98BB}"/>
               </a:ext>
             </a:extLst>
           </p:cNvPr>
@@ -4383,7 +4788,7 @@
             <a:spLocks noGrp="1"/>
           </p:cNvSpPr>
           <p:nvPr>
-            <p:ph sz="half" idx="2"/>
+            <p:ph type="title"/>
           </p:nvPr>
         </p:nvSpPr>
         <p:spPr/>
@@ -4392,23 +4797,419 @@
           <a:lstStyle/>
           <a:p>
             <a:r>
+              <a:rPr lang="en-US" dirty="0"/>
+              <a:t>What is Leaflet?</a:t>
+            </a:r>
+          </a:p>
+        </p:txBody>
+      </p:sp>
+      <p:sp>
+        <p:nvSpPr>
+          <p:cNvPr id="3" name="Content Placeholder 2">
+            <a:extLst>
+              <a:ext uri="{FF2B5EF4-FFF2-40B4-BE49-F238E27FC236}">
+                <a16:creationId xmlns:a16="http://schemas.microsoft.com/office/drawing/2014/main" id="{675465BD-10EE-0F42-92A6-1D0A3895713F}"/>
+              </a:ext>
+            </a:extLst>
+          </p:cNvPr>
+          <p:cNvSpPr>
+            <a:spLocks noGrp="1"/>
+          </p:cNvSpPr>
+          <p:nvPr>
+            <p:ph idx="1"/>
+          </p:nvPr>
+        </p:nvSpPr>
+        <p:spPr/>
+        <p:txBody>
+          <a:bodyPr/>
+          <a:lstStyle/>
+          <a:p>
+            <a:r>
+              <a:rPr lang="en-US" dirty="0"/>
+              <a:t>R version of the </a:t>
+            </a:r>
+            <a:r>
               <a:rPr lang="en-US" dirty="0" err="1"/>
-              <a:t>jsonlite</a:t>
+              <a:t>Javascript</a:t>
+            </a:r>
+            <a:r>
+              <a:rPr lang="en-US" dirty="0"/>
+              <a:t> API</a:t>
+            </a:r>
+          </a:p>
+          <a:p>
+            <a:r>
+              <a:rPr lang="en-US" dirty="0"/>
+              <a:t>One of the ways to get interactive maps</a:t>
+            </a:r>
+          </a:p>
+          <a:p>
+            <a:r>
+              <a:rPr lang="en-US" dirty="0"/>
+              <a:t>Others include: </a:t>
+            </a:r>
+            <a:r>
+              <a:rPr lang="en-US" dirty="0" err="1"/>
+              <a:t>tmap</a:t>
+            </a:r>
+            <a:r>
+              <a:rPr lang="en-US" dirty="0"/>
+              <a:t> &amp; </a:t>
+            </a:r>
+            <a:r>
+              <a:rPr lang="en-US" dirty="0" err="1"/>
+              <a:t>mapview</a:t>
             </a:r>
             <a:endParaRPr lang="en-US" dirty="0"/>
           </a:p>
           <a:p>
             <a:r>
-              <a:rPr lang="en-US" dirty="0"/>
-              <a:t>Easily load and read JSON objects in R</a:t>
-            </a:r>
+              <a:rPr lang="en-US" dirty="0">
+                <a:hlinkClick r:id="rId2"/>
+              </a:rPr>
+              <a:t>https://rstudio.github.io/leaflet/</a:t>
+            </a:r>
+            <a:endParaRPr lang="en-US" dirty="0"/>
+          </a:p>
+          <a:p>
+            <a:endParaRPr lang="en-US" dirty="0"/>
           </a:p>
         </p:txBody>
       </p:sp>
     </p:spTree>
     <p:extLst>
       <p:ext uri="{BB962C8B-B14F-4D97-AF65-F5344CB8AC3E}">
-        <p14:creationId xmlns:p14="http://schemas.microsoft.com/office/powerpoint/2010/main" val="2995080687"/>
+        <p14:creationId xmlns:p14="http://schemas.microsoft.com/office/powerpoint/2010/main" val="3904987979"/>
+      </p:ext>
+    </p:extLst>
+  </p:cSld>
+  <p:clrMapOvr>
+    <a:masterClrMapping/>
+  </p:clrMapOvr>
+</p:sld>
+</file>
+
+<file path=ppt/slides/slide6.xml><?xml version="1.0" encoding="utf-8"?>
+<p:sld xmlns:a="http://schemas.openxmlformats.org/drawingml/2006/main" xmlns:r="http://schemas.openxmlformats.org/officeDocument/2006/relationships" xmlns:p="http://schemas.openxmlformats.org/presentationml/2006/main">
+  <p:cSld>
+    <p:spTree>
+      <p:nvGrpSpPr>
+        <p:cNvPr id="1" name=""/>
+        <p:cNvGrpSpPr/>
+        <p:nvPr/>
+      </p:nvGrpSpPr>
+      <p:grpSpPr>
+        <a:xfrm>
+          <a:off x="0" y="0"/>
+          <a:ext cx="0" cy="0"/>
+          <a:chOff x="0" y="0"/>
+          <a:chExt cx="0" cy="0"/>
+        </a:xfrm>
+      </p:grpSpPr>
+      <p:sp>
+        <p:nvSpPr>
+          <p:cNvPr id="2" name="Title 1">
+            <a:extLst>
+              <a:ext uri="{FF2B5EF4-FFF2-40B4-BE49-F238E27FC236}">
+                <a16:creationId xmlns:a16="http://schemas.microsoft.com/office/drawing/2014/main" id="{933F032F-AA62-9C4E-81AD-BC39FDD4DC4B}"/>
+              </a:ext>
+            </a:extLst>
+          </p:cNvPr>
+          <p:cNvSpPr>
+            <a:spLocks noGrp="1"/>
+          </p:cNvSpPr>
+          <p:nvPr>
+            <p:ph type="title"/>
+          </p:nvPr>
+        </p:nvSpPr>
+        <p:spPr/>
+        <p:txBody>
+          <a:bodyPr/>
+          <a:lstStyle/>
+          <a:p>
+            <a:endParaRPr lang="en-US" dirty="0"/>
+          </a:p>
+        </p:txBody>
+      </p:sp>
+      <p:sp>
+        <p:nvSpPr>
+          <p:cNvPr id="3" name="Content Placeholder 2">
+            <a:extLst>
+              <a:ext uri="{FF2B5EF4-FFF2-40B4-BE49-F238E27FC236}">
+                <a16:creationId xmlns:a16="http://schemas.microsoft.com/office/drawing/2014/main" id="{34E5DE4F-BFC4-684D-B2D7-61C21F984AD4}"/>
+              </a:ext>
+            </a:extLst>
+          </p:cNvPr>
+          <p:cNvSpPr>
+            <a:spLocks noGrp="1"/>
+          </p:cNvSpPr>
+          <p:nvPr>
+            <p:ph idx="1"/>
+          </p:nvPr>
+        </p:nvSpPr>
+        <p:spPr/>
+        <p:txBody>
+          <a:bodyPr/>
+          <a:lstStyle/>
+          <a:p>
+            <a:endParaRPr lang="en-US"/>
+          </a:p>
+        </p:txBody>
+      </p:sp>
+    </p:spTree>
+    <p:extLst>
+      <p:ext uri="{BB962C8B-B14F-4D97-AF65-F5344CB8AC3E}">
+        <p14:creationId xmlns:p14="http://schemas.microsoft.com/office/powerpoint/2010/main" val="1303475575"/>
+      </p:ext>
+    </p:extLst>
+  </p:cSld>
+  <p:clrMapOvr>
+    <a:masterClrMapping/>
+  </p:clrMapOvr>
+</p:sld>
+</file>
+
+<file path=ppt/slides/slide7.xml><?xml version="1.0" encoding="utf-8"?>
+<p:sld xmlns:a="http://schemas.openxmlformats.org/drawingml/2006/main" xmlns:r="http://schemas.openxmlformats.org/officeDocument/2006/relationships" xmlns:p="http://schemas.openxmlformats.org/presentationml/2006/main">
+  <p:cSld>
+    <p:spTree>
+      <p:nvGrpSpPr>
+        <p:cNvPr id="1" name=""/>
+        <p:cNvGrpSpPr/>
+        <p:nvPr/>
+      </p:nvGrpSpPr>
+      <p:grpSpPr>
+        <a:xfrm>
+          <a:off x="0" y="0"/>
+          <a:ext cx="0" cy="0"/>
+          <a:chOff x="0" y="0"/>
+          <a:chExt cx="0" cy="0"/>
+        </a:xfrm>
+      </p:grpSpPr>
+      <p:sp>
+        <p:nvSpPr>
+          <p:cNvPr id="2" name="Title 1">
+            <a:extLst>
+              <a:ext uri="{FF2B5EF4-FFF2-40B4-BE49-F238E27FC236}">
+                <a16:creationId xmlns:a16="http://schemas.microsoft.com/office/drawing/2014/main" id="{C10713FD-8CF6-A940-B446-8DB8325767F4}"/>
+              </a:ext>
+            </a:extLst>
+          </p:cNvPr>
+          <p:cNvSpPr>
+            <a:spLocks noGrp="1"/>
+          </p:cNvSpPr>
+          <p:nvPr>
+            <p:ph type="title"/>
+          </p:nvPr>
+        </p:nvSpPr>
+        <p:spPr/>
+        <p:txBody>
+          <a:bodyPr/>
+          <a:lstStyle/>
+          <a:p>
+            <a:r>
+              <a:rPr lang="en-US" dirty="0"/>
+              <a:t>Getting Data in</a:t>
+            </a:r>
+          </a:p>
+        </p:txBody>
+      </p:sp>
+      <p:sp>
+        <p:nvSpPr>
+          <p:cNvPr id="3" name="Text Placeholder 2">
+            <a:extLst>
+              <a:ext uri="{FF2B5EF4-FFF2-40B4-BE49-F238E27FC236}">
+                <a16:creationId xmlns:a16="http://schemas.microsoft.com/office/drawing/2014/main" id="{CCB14A8A-E91A-CC4F-B006-9125608D9925}"/>
+              </a:ext>
+            </a:extLst>
+          </p:cNvPr>
+          <p:cNvSpPr>
+            <a:spLocks noGrp="1"/>
+          </p:cNvSpPr>
+          <p:nvPr>
+            <p:ph type="body" idx="1"/>
+          </p:nvPr>
+        </p:nvSpPr>
+        <p:spPr/>
+        <p:txBody>
+          <a:bodyPr/>
+          <a:lstStyle/>
+          <a:p>
+            <a:endParaRPr lang="en-US"/>
+          </a:p>
+        </p:txBody>
+      </p:sp>
+    </p:spTree>
+    <p:extLst>
+      <p:ext uri="{BB962C8B-B14F-4D97-AF65-F5344CB8AC3E}">
+        <p14:creationId xmlns:p14="http://schemas.microsoft.com/office/powerpoint/2010/main" val="3563342946"/>
+      </p:ext>
+    </p:extLst>
+  </p:cSld>
+  <p:clrMapOvr>
+    <a:masterClrMapping/>
+  </p:clrMapOvr>
+</p:sld>
+</file>
+
+<file path=ppt/slides/slide8.xml><?xml version="1.0" encoding="utf-8"?>
+<p:sld xmlns:a="http://schemas.openxmlformats.org/drawingml/2006/main" xmlns:r="http://schemas.openxmlformats.org/officeDocument/2006/relationships" xmlns:p="http://schemas.openxmlformats.org/presentationml/2006/main">
+  <p:cSld>
+    <p:spTree>
+      <p:nvGrpSpPr>
+        <p:cNvPr id="1" name=""/>
+        <p:cNvGrpSpPr/>
+        <p:nvPr/>
+      </p:nvGrpSpPr>
+      <p:grpSpPr>
+        <a:xfrm>
+          <a:off x="0" y="0"/>
+          <a:ext cx="0" cy="0"/>
+          <a:chOff x="0" y="0"/>
+          <a:chExt cx="0" cy="0"/>
+        </a:xfrm>
+      </p:grpSpPr>
+      <p:sp>
+        <p:nvSpPr>
+          <p:cNvPr id="2" name="Title 1">
+            <a:extLst>
+              <a:ext uri="{FF2B5EF4-FFF2-40B4-BE49-F238E27FC236}">
+                <a16:creationId xmlns:a16="http://schemas.microsoft.com/office/drawing/2014/main" id="{C10713FD-8CF6-A940-B446-8DB8325767F4}"/>
+              </a:ext>
+            </a:extLst>
+          </p:cNvPr>
+          <p:cNvSpPr>
+            <a:spLocks noGrp="1"/>
+          </p:cNvSpPr>
+          <p:nvPr>
+            <p:ph type="title"/>
+          </p:nvPr>
+        </p:nvSpPr>
+        <p:spPr/>
+        <p:txBody>
+          <a:bodyPr/>
+          <a:lstStyle/>
+          <a:p>
+            <a:r>
+              <a:rPr lang="en-US"/>
+              <a:t>Shapes</a:t>
+            </a:r>
+            <a:endParaRPr lang="en-US" dirty="0"/>
+          </a:p>
+        </p:txBody>
+      </p:sp>
+      <p:sp>
+        <p:nvSpPr>
+          <p:cNvPr id="3" name="Text Placeholder 2">
+            <a:extLst>
+              <a:ext uri="{FF2B5EF4-FFF2-40B4-BE49-F238E27FC236}">
+                <a16:creationId xmlns:a16="http://schemas.microsoft.com/office/drawing/2014/main" id="{CCB14A8A-E91A-CC4F-B006-9125608D9925}"/>
+              </a:ext>
+            </a:extLst>
+          </p:cNvPr>
+          <p:cNvSpPr>
+            <a:spLocks noGrp="1"/>
+          </p:cNvSpPr>
+          <p:nvPr>
+            <p:ph type="body" idx="1"/>
+          </p:nvPr>
+        </p:nvSpPr>
+        <p:spPr/>
+        <p:txBody>
+          <a:bodyPr/>
+          <a:lstStyle/>
+          <a:p>
+            <a:endParaRPr lang="en-US"/>
+          </a:p>
+        </p:txBody>
+      </p:sp>
+    </p:spTree>
+    <p:extLst>
+      <p:ext uri="{BB962C8B-B14F-4D97-AF65-F5344CB8AC3E}">
+        <p14:creationId xmlns:p14="http://schemas.microsoft.com/office/powerpoint/2010/main" val="3812106291"/>
+      </p:ext>
+    </p:extLst>
+  </p:cSld>
+  <p:clrMapOvr>
+    <a:masterClrMapping/>
+  </p:clrMapOvr>
+</p:sld>
+</file>
+
+<file path=ppt/slides/slide9.xml><?xml version="1.0" encoding="utf-8"?>
+<p:sld xmlns:a="http://schemas.openxmlformats.org/drawingml/2006/main" xmlns:r="http://schemas.openxmlformats.org/officeDocument/2006/relationships" xmlns:p="http://schemas.openxmlformats.org/presentationml/2006/main">
+  <p:cSld>
+    <p:spTree>
+      <p:nvGrpSpPr>
+        <p:cNvPr id="1" name=""/>
+        <p:cNvGrpSpPr/>
+        <p:nvPr/>
+      </p:nvGrpSpPr>
+      <p:grpSpPr>
+        <a:xfrm>
+          <a:off x="0" y="0"/>
+          <a:ext cx="0" cy="0"/>
+          <a:chOff x="0" y="0"/>
+          <a:chExt cx="0" cy="0"/>
+        </a:xfrm>
+      </p:grpSpPr>
+      <p:sp>
+        <p:nvSpPr>
+          <p:cNvPr id="2" name="Title 1">
+            <a:extLst>
+              <a:ext uri="{FF2B5EF4-FFF2-40B4-BE49-F238E27FC236}">
+                <a16:creationId xmlns:a16="http://schemas.microsoft.com/office/drawing/2014/main" id="{630B28CF-9A9F-BB44-B219-CB5CE04F45F0}"/>
+              </a:ext>
+            </a:extLst>
+          </p:cNvPr>
+          <p:cNvSpPr>
+            <a:spLocks noGrp="1"/>
+          </p:cNvSpPr>
+          <p:nvPr>
+            <p:ph type="title"/>
+          </p:nvPr>
+        </p:nvSpPr>
+        <p:spPr/>
+        <p:txBody>
+          <a:bodyPr/>
+          <a:lstStyle/>
+          <a:p>
+            <a:r>
+              <a:rPr lang="en-US" dirty="0"/>
+              <a:t>For Next Week</a:t>
+            </a:r>
+          </a:p>
+        </p:txBody>
+      </p:sp>
+      <p:sp>
+        <p:nvSpPr>
+          <p:cNvPr id="3" name="Text Placeholder 2">
+            <a:extLst>
+              <a:ext uri="{FF2B5EF4-FFF2-40B4-BE49-F238E27FC236}">
+                <a16:creationId xmlns:a16="http://schemas.microsoft.com/office/drawing/2014/main" id="{88282735-CB15-C446-86EE-E7142686654E}"/>
+              </a:ext>
+            </a:extLst>
+          </p:cNvPr>
+          <p:cNvSpPr>
+            <a:spLocks noGrp="1"/>
+          </p:cNvSpPr>
+          <p:nvPr>
+            <p:ph type="body" idx="1"/>
+          </p:nvPr>
+        </p:nvSpPr>
+        <p:spPr/>
+        <p:txBody>
+          <a:bodyPr/>
+          <a:lstStyle/>
+          <a:p>
+            <a:endParaRPr lang="en-US" dirty="0"/>
+          </a:p>
+        </p:txBody>
+      </p:sp>
+    </p:spTree>
+    <p:extLst>
+      <p:ext uri="{BB962C8B-B14F-4D97-AF65-F5344CB8AC3E}">
+        <p14:creationId xmlns:p14="http://schemas.microsoft.com/office/powerpoint/2010/main" val="1211274615"/>
       </p:ext>
     </p:extLst>
   </p:cSld>

--- a/Class 9.pptx
+++ b/Class 9.pptx
@@ -5,19 +5,35 @@
     <p:sldMasterId id="2147483672" r:id="rId1"/>
   </p:sldMasterIdLst>
   <p:notesMasterIdLst>
-    <p:notesMasterId r:id="rId12"/>
+    <p:notesMasterId r:id="rId28"/>
   </p:notesMasterIdLst>
   <p:sldIdLst>
     <p:sldId id="256" r:id="rId2"/>
     <p:sldId id="380" r:id="rId3"/>
-    <p:sldId id="379" r:id="rId4"/>
-    <p:sldId id="377" r:id="rId5"/>
-    <p:sldId id="381" r:id="rId6"/>
-    <p:sldId id="382" r:id="rId7"/>
-    <p:sldId id="383" r:id="rId8"/>
-    <p:sldId id="384" r:id="rId9"/>
-    <p:sldId id="375" r:id="rId10"/>
-    <p:sldId id="376" r:id="rId11"/>
+    <p:sldId id="385" r:id="rId4"/>
+    <p:sldId id="386" r:id="rId5"/>
+    <p:sldId id="393" r:id="rId6"/>
+    <p:sldId id="379" r:id="rId7"/>
+    <p:sldId id="377" r:id="rId8"/>
+    <p:sldId id="381" r:id="rId9"/>
+    <p:sldId id="383" r:id="rId10"/>
+    <p:sldId id="389" r:id="rId11"/>
+    <p:sldId id="390" r:id="rId12"/>
+    <p:sldId id="391" r:id="rId13"/>
+    <p:sldId id="392" r:id="rId14"/>
+    <p:sldId id="387" r:id="rId15"/>
+    <p:sldId id="382" r:id="rId16"/>
+    <p:sldId id="388" r:id="rId17"/>
+    <p:sldId id="403" r:id="rId18"/>
+    <p:sldId id="384" r:id="rId19"/>
+    <p:sldId id="395" r:id="rId20"/>
+    <p:sldId id="398" r:id="rId21"/>
+    <p:sldId id="397" r:id="rId22"/>
+    <p:sldId id="399" r:id="rId23"/>
+    <p:sldId id="402" r:id="rId24"/>
+    <p:sldId id="396" r:id="rId25"/>
+    <p:sldId id="400" r:id="rId26"/>
+    <p:sldId id="401" r:id="rId27"/>
   </p:sldIdLst>
   <p:sldSz cx="12192000" cy="6858000"/>
   <p:notesSz cx="6858000" cy="9144000"/>
@@ -206,7 +222,7 @@
           <a:p>
             <a:fld id="{91553857-FF24-F64E-8D31-96B246FE7FC7}" type="datetimeFigureOut">
               <a:rPr lang="en-US" smtClean="0"/>
-              <a:t>9/21/18</a:t>
+              <a:t>9/24/18</a:t>
             </a:fld>
             <a:endParaRPr lang="en-US"/>
           </a:p>
@@ -642,7 +658,7 @@
           <a:p>
             <a:fld id="{C42C6571-5E6A-784B-B936-D3B05221CD33}" type="datetimeFigureOut">
               <a:rPr lang="en-US" smtClean="0"/>
-              <a:t>9/21/18</a:t>
+              <a:t>9/24/18</a:t>
             </a:fld>
             <a:endParaRPr lang="en-US"/>
           </a:p>
@@ -967,7 +983,7 @@
           <a:p>
             <a:fld id="{C42C6571-5E6A-784B-B936-D3B05221CD33}" type="datetimeFigureOut">
               <a:rPr lang="en-US" smtClean="0"/>
-              <a:t>9/21/18</a:t>
+              <a:t>9/24/18</a:t>
             </a:fld>
             <a:endParaRPr lang="en-US"/>
           </a:p>
@@ -1142,7 +1158,7 @@
           <a:p>
             <a:fld id="{C42C6571-5E6A-784B-B936-D3B05221CD33}" type="datetimeFigureOut">
               <a:rPr lang="en-US" smtClean="0"/>
-              <a:t>9/21/18</a:t>
+              <a:t>9/24/18</a:t>
             </a:fld>
             <a:endParaRPr lang="en-US"/>
           </a:p>
@@ -1311,7 +1327,7 @@
           <a:p>
             <a:fld id="{C42C6571-5E6A-784B-B936-D3B05221CD33}" type="datetimeFigureOut">
               <a:rPr lang="en-US" smtClean="0"/>
-              <a:t>9/21/18</a:t>
+              <a:t>9/24/18</a:t>
             </a:fld>
             <a:endParaRPr lang="en-US"/>
           </a:p>
@@ -1583,7 +1599,7 @@
           <a:p>
             <a:fld id="{C42C6571-5E6A-784B-B936-D3B05221CD33}" type="datetimeFigureOut">
               <a:rPr lang="en-US" smtClean="0"/>
-              <a:t>9/21/18</a:t>
+              <a:t>9/24/18</a:t>
             </a:fld>
             <a:endParaRPr lang="en-US"/>
           </a:p>
@@ -1972,7 +1988,7 @@
           <a:p>
             <a:fld id="{C42C6571-5E6A-784B-B936-D3B05221CD33}" type="datetimeFigureOut">
               <a:rPr lang="en-US" smtClean="0"/>
-              <a:t>9/21/18</a:t>
+              <a:t>9/24/18</a:t>
             </a:fld>
             <a:endParaRPr lang="en-US"/>
           </a:p>
@@ -2444,7 +2460,7 @@
           <a:p>
             <a:fld id="{C42C6571-5E6A-784B-B936-D3B05221CD33}" type="datetimeFigureOut">
               <a:rPr lang="en-US" smtClean="0"/>
-              <a:t>9/21/18</a:t>
+              <a:t>9/24/18</a:t>
             </a:fld>
             <a:endParaRPr lang="en-US"/>
           </a:p>
@@ -2557,7 +2573,7 @@
           <a:p>
             <a:fld id="{C42C6571-5E6A-784B-B936-D3B05221CD33}" type="datetimeFigureOut">
               <a:rPr lang="en-US" smtClean="0"/>
-              <a:t>9/21/18</a:t>
+              <a:t>9/24/18</a:t>
             </a:fld>
             <a:endParaRPr lang="en-US"/>
           </a:p>
@@ -2647,7 +2663,7 @@
           <a:p>
             <a:fld id="{C42C6571-5E6A-784B-B936-D3B05221CD33}" type="datetimeFigureOut">
               <a:rPr lang="en-US" smtClean="0"/>
-              <a:t>9/21/18</a:t>
+              <a:t>9/24/18</a:t>
             </a:fld>
             <a:endParaRPr lang="en-US"/>
           </a:p>
@@ -2988,7 +3004,7 @@
           <a:p>
             <a:fld id="{C42C6571-5E6A-784B-B936-D3B05221CD33}" type="datetimeFigureOut">
               <a:rPr lang="en-US" smtClean="0"/>
-              <a:t>9/21/18</a:t>
+              <a:t>9/24/18</a:t>
             </a:fld>
             <a:endParaRPr lang="en-US"/>
           </a:p>
@@ -3371,7 +3387,7 @@
           <a:p>
             <a:fld id="{C42C6571-5E6A-784B-B936-D3B05221CD33}" type="datetimeFigureOut">
               <a:rPr lang="en-US" smtClean="0"/>
-              <a:t>9/21/18</a:t>
+              <a:t>9/24/18</a:t>
             </a:fld>
             <a:endParaRPr lang="en-US"/>
           </a:p>
@@ -3644,7 +3660,7 @@
           <a:p>
             <a:fld id="{C42C6571-5E6A-784B-B936-D3B05221CD33}" type="datetimeFigureOut">
               <a:rPr lang="en-US" smtClean="0"/>
-              <a:t>9/21/18</a:t>
+              <a:t>9/24/18</a:t>
             </a:fld>
             <a:endParaRPr lang="en-US"/>
           </a:p>
@@ -4233,10 +4249,113 @@
       </p:grpSpPr>
       <p:sp>
         <p:nvSpPr>
+          <p:cNvPr id="4" name="Title 3">
+            <a:extLst>
+              <a:ext uri="{FF2B5EF4-FFF2-40B4-BE49-F238E27FC236}">
+                <a16:creationId xmlns:a16="http://schemas.microsoft.com/office/drawing/2014/main" id="{A8387FE0-D427-6747-AE8A-E0AB4ACDF380}"/>
+              </a:ext>
+            </a:extLst>
+          </p:cNvPr>
+          <p:cNvSpPr>
+            <a:spLocks noGrp="1"/>
+          </p:cNvSpPr>
+          <p:nvPr>
+            <p:ph type="title"/>
+          </p:nvPr>
+        </p:nvSpPr>
+        <p:spPr/>
+        <p:txBody>
+          <a:bodyPr/>
+          <a:lstStyle/>
+          <a:p>
+            <a:r>
+              <a:rPr lang="en-US" dirty="0"/>
+              <a:t>Spatial Data in R</a:t>
+            </a:r>
+          </a:p>
+        </p:txBody>
+      </p:sp>
+      <p:sp>
+        <p:nvSpPr>
+          <p:cNvPr id="5" name="Content Placeholder 4">
+            <a:extLst>
+              <a:ext uri="{FF2B5EF4-FFF2-40B4-BE49-F238E27FC236}">
+                <a16:creationId xmlns:a16="http://schemas.microsoft.com/office/drawing/2014/main" id="{3625DD5E-AFD6-C240-8895-3353475467A7}"/>
+              </a:ext>
+            </a:extLst>
+          </p:cNvPr>
+          <p:cNvSpPr>
+            <a:spLocks noGrp="1"/>
+          </p:cNvSpPr>
+          <p:nvPr>
+            <p:ph idx="1"/>
+          </p:nvPr>
+        </p:nvSpPr>
+        <p:spPr/>
+        <p:txBody>
+          <a:bodyPr/>
+          <a:lstStyle/>
+          <a:p>
+            <a:r>
+              <a:rPr lang="en-US" dirty="0"/>
+              <a:t>Sometimes your data source will be a </a:t>
+            </a:r>
+            <a:r>
+              <a:rPr lang="en-US" dirty="0" err="1"/>
+              <a:t>dataframe</a:t>
+            </a:r>
+            <a:r>
+              <a:rPr lang="en-US" dirty="0"/>
+              <a:t>, other times the information will be included in your spatial object</a:t>
+            </a:r>
+          </a:p>
+          <a:p>
+            <a:r>
+              <a:rPr lang="en-US" dirty="0"/>
+              <a:t>Other times it will be points on a CSV, luckily leaflet doesn’t need any mutation with data like this.</a:t>
+            </a:r>
+          </a:p>
+          <a:p>
+            <a:endParaRPr lang="en-US" dirty="0"/>
+          </a:p>
+        </p:txBody>
+      </p:sp>
+    </p:spTree>
+    <p:extLst>
+      <p:ext uri="{BB962C8B-B14F-4D97-AF65-F5344CB8AC3E}">
+        <p14:creationId xmlns:p14="http://schemas.microsoft.com/office/powerpoint/2010/main" val="3049328151"/>
+      </p:ext>
+    </p:extLst>
+  </p:cSld>
+  <p:clrMapOvr>
+    <a:masterClrMapping/>
+  </p:clrMapOvr>
+</p:sld>
+</file>
+
+<file path=ppt/slides/slide11.xml><?xml version="1.0" encoding="utf-8"?>
+<p:sld xmlns:a="http://schemas.openxmlformats.org/drawingml/2006/main" xmlns:r="http://schemas.openxmlformats.org/officeDocument/2006/relationships" xmlns:p="http://schemas.openxmlformats.org/presentationml/2006/main">
+  <p:cSld>
+    <p:spTree>
+      <p:nvGrpSpPr>
+        <p:cNvPr id="1" name=""/>
+        <p:cNvGrpSpPr/>
+        <p:nvPr/>
+      </p:nvGrpSpPr>
+      <p:grpSpPr>
+        <a:xfrm>
+          <a:off x="0" y="0"/>
+          <a:ext cx="0" cy="0"/>
+          <a:chOff x="0" y="0"/>
+          <a:chExt cx="0" cy="0"/>
+        </a:xfrm>
+      </p:grpSpPr>
+      <p:sp>
+        <p:nvSpPr>
           <p:cNvPr id="2" name="Title 1">
             <a:extLst>
               <a:ext uri="{FF2B5EF4-FFF2-40B4-BE49-F238E27FC236}">
-                <a16:creationId xmlns:a16="http://schemas.microsoft.com/office/drawing/2014/main" id="{3F871639-BB5F-F844-9FFA-3D37369566E3}"/>
+                <a16:creationId xmlns:a16="http://schemas.microsoft.com/office/drawing/2014/main" id="{A0FAC483-BC20-8240-9DB5-1FF214F71855}"/>
               </a:ext>
             </a:extLst>
           </p:cNvPr>
@@ -4254,7 +4373,7 @@
           <a:p>
             <a:r>
               <a:rPr lang="en-US" dirty="0"/>
-              <a:t>Please be able to load the following libraries</a:t>
+              <a:t>Reading Spatial Data</a:t>
             </a:r>
           </a:p>
         </p:txBody>
@@ -4264,7 +4383,7 @@
           <p:cNvPr id="3" name="Content Placeholder 2">
             <a:extLst>
               <a:ext uri="{FF2B5EF4-FFF2-40B4-BE49-F238E27FC236}">
-                <a16:creationId xmlns:a16="http://schemas.microsoft.com/office/drawing/2014/main" id="{B0ABF65C-A12F-8442-AD8B-4984D44E4488}"/>
+                <a16:creationId xmlns:a16="http://schemas.microsoft.com/office/drawing/2014/main" id="{B5B1637A-5FFD-1C45-8452-0F3447F5189C}"/>
               </a:ext>
             </a:extLst>
           </p:cNvPr>
@@ -4272,7 +4391,7 @@
             <a:spLocks noGrp="1"/>
           </p:cNvSpPr>
           <p:nvPr>
-            <p:ph sz="half" idx="1"/>
+            <p:ph idx="1"/>
           </p:nvPr>
         </p:nvSpPr>
         <p:spPr/>
@@ -4282,15 +4401,1077 @@
           <a:p>
             <a:r>
               <a:rPr lang="en-US" dirty="0" err="1"/>
-              <a:t>httr</a:t>
-            </a:r>
+              <a:t>readOGR</a:t>
+            </a:r>
+            <a:r>
+              <a:rPr lang="en-US" dirty="0"/>
+              <a:t>() is your one size fits all spatial data function (from the </a:t>
+            </a:r>
+            <a:r>
+              <a:rPr lang="en-US" dirty="0" err="1"/>
+              <a:t>rgdal</a:t>
+            </a:r>
+            <a:r>
+              <a:rPr lang="en-US" dirty="0"/>
+              <a:t> package)</a:t>
+            </a:r>
+          </a:p>
+          <a:p>
+            <a:r>
+              <a:rPr lang="en-US" dirty="0"/>
+              <a:t>Shapefile:</a:t>
+            </a:r>
+          </a:p>
+          <a:p>
             <a:endParaRPr lang="en-US" dirty="0"/>
           </a:p>
           <a:p>
-            <a:r>
-              <a:rPr lang="en-US" dirty="0"/>
-              <a:t>Make API calls</a:t>
-            </a:r>
+            <a:pPr marL="0" indent="0">
+              <a:buNone/>
+            </a:pPr>
+            <a:endParaRPr lang="en-US" dirty="0"/>
+          </a:p>
+          <a:p>
+            <a:r>
+              <a:rPr lang="en-US" dirty="0" err="1"/>
+              <a:t>geoJSON</a:t>
+            </a:r>
+            <a:r>
+              <a:rPr lang="en-US" dirty="0"/>
+              <a:t>:</a:t>
+            </a:r>
+          </a:p>
+          <a:p>
+            <a:endParaRPr lang="en-US" dirty="0"/>
+          </a:p>
+          <a:p>
+            <a:endParaRPr lang="en-US" dirty="0"/>
+          </a:p>
+        </p:txBody>
+      </p:sp>
+      <p:pic>
+        <p:nvPicPr>
+          <p:cNvPr id="5" name="Picture 4">
+            <a:extLst>
+              <a:ext uri="{FF2B5EF4-FFF2-40B4-BE49-F238E27FC236}">
+                <a16:creationId xmlns:a16="http://schemas.microsoft.com/office/drawing/2014/main" id="{380CA3DC-50CA-CC44-9F1B-6F163DD84023}"/>
+              </a:ext>
+            </a:extLst>
+          </p:cNvPr>
+          <p:cNvPicPr>
+            <a:picLocks noChangeAspect="1"/>
+          </p:cNvPicPr>
+          <p:nvPr/>
+        </p:nvPicPr>
+        <p:blipFill>
+          <a:blip r:embed="rId2"/>
+          <a:stretch>
+            <a:fillRect/>
+          </a:stretch>
+        </p:blipFill>
+        <p:spPr>
+          <a:xfrm>
+            <a:off x="1092962" y="3256788"/>
+            <a:ext cx="9664700" cy="685800"/>
+          </a:xfrm>
+          <a:prstGeom prst="rect">
+            <a:avLst/>
+          </a:prstGeom>
+        </p:spPr>
+      </p:pic>
+      <p:pic>
+        <p:nvPicPr>
+          <p:cNvPr id="7" name="Picture 6">
+            <a:extLst>
+              <a:ext uri="{FF2B5EF4-FFF2-40B4-BE49-F238E27FC236}">
+                <a16:creationId xmlns:a16="http://schemas.microsoft.com/office/drawing/2014/main" id="{3D8B8114-E3E5-3E46-A843-558C0DB96C9B}"/>
+              </a:ext>
+            </a:extLst>
+          </p:cNvPr>
+          <p:cNvPicPr>
+            <a:picLocks noChangeAspect="1"/>
+          </p:cNvPicPr>
+          <p:nvPr/>
+        </p:nvPicPr>
+        <p:blipFill>
+          <a:blip r:embed="rId3"/>
+          <a:stretch>
+            <a:fillRect/>
+          </a:stretch>
+        </p:blipFill>
+        <p:spPr>
+          <a:xfrm>
+            <a:off x="1667510" y="4663694"/>
+            <a:ext cx="7759700" cy="241300"/>
+          </a:xfrm>
+          <a:prstGeom prst="rect">
+            <a:avLst/>
+          </a:prstGeom>
+        </p:spPr>
+      </p:pic>
+    </p:spTree>
+    <p:extLst>
+      <p:ext uri="{BB962C8B-B14F-4D97-AF65-F5344CB8AC3E}">
+        <p14:creationId xmlns:p14="http://schemas.microsoft.com/office/powerpoint/2010/main" val="2470413374"/>
+      </p:ext>
+    </p:extLst>
+  </p:cSld>
+  <p:clrMapOvr>
+    <a:masterClrMapping/>
+  </p:clrMapOvr>
+</p:sld>
+</file>
+
+<file path=ppt/slides/slide12.xml><?xml version="1.0" encoding="utf-8"?>
+<p:sld xmlns:a="http://schemas.openxmlformats.org/drawingml/2006/main" xmlns:r="http://schemas.openxmlformats.org/officeDocument/2006/relationships" xmlns:p="http://schemas.openxmlformats.org/presentationml/2006/main">
+  <p:cSld>
+    <p:spTree>
+      <p:nvGrpSpPr>
+        <p:cNvPr id="1" name=""/>
+        <p:cNvGrpSpPr/>
+        <p:nvPr/>
+      </p:nvGrpSpPr>
+      <p:grpSpPr>
+        <a:xfrm>
+          <a:off x="0" y="0"/>
+          <a:ext cx="0" cy="0"/>
+          <a:chOff x="0" y="0"/>
+          <a:chExt cx="0" cy="0"/>
+        </a:xfrm>
+      </p:grpSpPr>
+      <p:sp>
+        <p:nvSpPr>
+          <p:cNvPr id="2" name="Title 1">
+            <a:extLst>
+              <a:ext uri="{FF2B5EF4-FFF2-40B4-BE49-F238E27FC236}">
+                <a16:creationId xmlns:a16="http://schemas.microsoft.com/office/drawing/2014/main" id="{5B71C769-C3C4-9C49-B06A-2BAE10BF2A73}"/>
+              </a:ext>
+            </a:extLst>
+          </p:cNvPr>
+          <p:cNvSpPr>
+            <a:spLocks noGrp="1"/>
+          </p:cNvSpPr>
+          <p:nvPr>
+            <p:ph type="title"/>
+          </p:nvPr>
+        </p:nvSpPr>
+        <p:spPr/>
+        <p:txBody>
+          <a:bodyPr/>
+          <a:lstStyle/>
+          <a:p>
+            <a:r>
+              <a:rPr lang="en-US" dirty="0"/>
+              <a:t>About Spatial Data</a:t>
+            </a:r>
+          </a:p>
+        </p:txBody>
+      </p:sp>
+      <p:sp>
+        <p:nvSpPr>
+          <p:cNvPr id="3" name="Content Placeholder 2">
+            <a:extLst>
+              <a:ext uri="{FF2B5EF4-FFF2-40B4-BE49-F238E27FC236}">
+                <a16:creationId xmlns:a16="http://schemas.microsoft.com/office/drawing/2014/main" id="{B5CD58C0-DD71-9945-AA80-0C6A7B039D98}"/>
+              </a:ext>
+            </a:extLst>
+          </p:cNvPr>
+          <p:cNvSpPr>
+            <a:spLocks noGrp="1"/>
+          </p:cNvSpPr>
+          <p:nvPr>
+            <p:ph idx="1"/>
+          </p:nvPr>
+        </p:nvSpPr>
+        <p:spPr/>
+        <p:txBody>
+          <a:bodyPr/>
+          <a:lstStyle/>
+          <a:p>
+            <a:r>
+              <a:rPr lang="en-US" dirty="0"/>
+              <a:t>3 kinds of spatial Data: Lines, Polygons, Points</a:t>
+            </a:r>
+          </a:p>
+          <a:p>
+            <a:r>
+              <a:rPr lang="en-US" dirty="0"/>
+              <a:t>All spatial </a:t>
+            </a:r>
+            <a:r>
+              <a:rPr lang="en-US" dirty="0" err="1"/>
+              <a:t>objects’s</a:t>
+            </a:r>
+            <a:r>
+              <a:rPr lang="en-US" dirty="0"/>
+              <a:t> have the same parts</a:t>
+            </a:r>
+          </a:p>
+          <a:p>
+            <a:r>
+              <a:rPr lang="en-US" dirty="0"/>
+              <a:t>@data: The </a:t>
+            </a:r>
+            <a:r>
+              <a:rPr lang="en-US" dirty="0" err="1"/>
+              <a:t>dataframe</a:t>
+            </a:r>
+            <a:endParaRPr lang="en-US" dirty="0"/>
+          </a:p>
+          <a:p>
+            <a:r>
+              <a:rPr lang="en-US" dirty="0"/>
+              <a:t>@</a:t>
+            </a:r>
+            <a:r>
+              <a:rPr lang="en-US" dirty="0" err="1"/>
+              <a:t>coords</a:t>
+            </a:r>
+            <a:r>
+              <a:rPr lang="en-US" dirty="0"/>
+              <a:t>: Spatial data</a:t>
+            </a:r>
+          </a:p>
+          <a:p>
+            <a:r>
+              <a:rPr lang="en-US" dirty="0"/>
+              <a:t>@</a:t>
+            </a:r>
+            <a:r>
+              <a:rPr lang="en-US" dirty="0" err="1"/>
+              <a:t>bbox</a:t>
+            </a:r>
+            <a:r>
+              <a:rPr lang="en-US" dirty="0"/>
+              <a:t>: Bounding box</a:t>
+            </a:r>
+          </a:p>
+          <a:p>
+            <a:r>
+              <a:rPr lang="en-US" dirty="0"/>
+              <a:t>@proj4string: The projection string</a:t>
+            </a:r>
+          </a:p>
+        </p:txBody>
+      </p:sp>
+    </p:spTree>
+    <p:extLst>
+      <p:ext uri="{BB962C8B-B14F-4D97-AF65-F5344CB8AC3E}">
+        <p14:creationId xmlns:p14="http://schemas.microsoft.com/office/powerpoint/2010/main" val="1500669569"/>
+      </p:ext>
+    </p:extLst>
+  </p:cSld>
+  <p:clrMapOvr>
+    <a:masterClrMapping/>
+  </p:clrMapOvr>
+</p:sld>
+</file>
+
+<file path=ppt/slides/slide13.xml><?xml version="1.0" encoding="utf-8"?>
+<p:sld xmlns:a="http://schemas.openxmlformats.org/drawingml/2006/main" xmlns:r="http://schemas.openxmlformats.org/officeDocument/2006/relationships" xmlns:p="http://schemas.openxmlformats.org/presentationml/2006/main">
+  <p:cSld>
+    <p:spTree>
+      <p:nvGrpSpPr>
+        <p:cNvPr id="1" name=""/>
+        <p:cNvGrpSpPr/>
+        <p:nvPr/>
+      </p:nvGrpSpPr>
+      <p:grpSpPr>
+        <a:xfrm>
+          <a:off x="0" y="0"/>
+          <a:ext cx="0" cy="0"/>
+          <a:chOff x="0" y="0"/>
+          <a:chExt cx="0" cy="0"/>
+        </a:xfrm>
+      </p:grpSpPr>
+      <p:sp>
+        <p:nvSpPr>
+          <p:cNvPr id="2" name="Title 1">
+            <a:extLst>
+              <a:ext uri="{FF2B5EF4-FFF2-40B4-BE49-F238E27FC236}">
+                <a16:creationId xmlns:a16="http://schemas.microsoft.com/office/drawing/2014/main" id="{5F841975-546D-4949-986F-18B518294806}"/>
+              </a:ext>
+            </a:extLst>
+          </p:cNvPr>
+          <p:cNvSpPr>
+            <a:spLocks noGrp="1"/>
+          </p:cNvSpPr>
+          <p:nvPr>
+            <p:ph type="title"/>
+          </p:nvPr>
+        </p:nvSpPr>
+        <p:spPr/>
+        <p:txBody>
+          <a:bodyPr/>
+          <a:lstStyle/>
+          <a:p>
+            <a:r>
+              <a:rPr lang="en-US" dirty="0"/>
+              <a:t>Merging Spatial Data</a:t>
+            </a:r>
+          </a:p>
+        </p:txBody>
+      </p:sp>
+      <p:sp>
+        <p:nvSpPr>
+          <p:cNvPr id="3" name="Content Placeholder 2">
+            <a:extLst>
+              <a:ext uri="{FF2B5EF4-FFF2-40B4-BE49-F238E27FC236}">
+                <a16:creationId xmlns:a16="http://schemas.microsoft.com/office/drawing/2014/main" id="{E7FCB720-67FF-DB40-A7CE-51D490C8BA3F}"/>
+              </a:ext>
+            </a:extLst>
+          </p:cNvPr>
+          <p:cNvSpPr>
+            <a:spLocks noGrp="1"/>
+          </p:cNvSpPr>
+          <p:nvPr>
+            <p:ph idx="1"/>
+          </p:nvPr>
+        </p:nvSpPr>
+        <p:spPr/>
+        <p:txBody>
+          <a:bodyPr/>
+          <a:lstStyle/>
+          <a:p>
+            <a:r>
+              <a:rPr lang="en-US" dirty="0"/>
+              <a:t>A normal merge of the </a:t>
+            </a:r>
+            <a:r>
+              <a:rPr lang="en-US" dirty="0" err="1"/>
+              <a:t>dataframe</a:t>
+            </a:r>
+            <a:r>
+              <a:rPr lang="en-US" dirty="0"/>
+              <a:t> will often resort the data, but will not resort the points.</a:t>
+            </a:r>
+          </a:p>
+          <a:p>
+            <a:r>
+              <a:rPr lang="en-US" dirty="0"/>
+              <a:t>How do we get around this? Turn off sorting! </a:t>
+            </a:r>
+          </a:p>
+        </p:txBody>
+      </p:sp>
+      <p:pic>
+        <p:nvPicPr>
+          <p:cNvPr id="5" name="Picture 4">
+            <a:extLst>
+              <a:ext uri="{FF2B5EF4-FFF2-40B4-BE49-F238E27FC236}">
+                <a16:creationId xmlns:a16="http://schemas.microsoft.com/office/drawing/2014/main" id="{F6E8ACC1-A804-4843-AFBE-0950ADE7FA98}"/>
+              </a:ext>
+            </a:extLst>
+          </p:cNvPr>
+          <p:cNvPicPr>
+            <a:picLocks noChangeAspect="1"/>
+          </p:cNvPicPr>
+          <p:nvPr/>
+        </p:nvPicPr>
+        <p:blipFill>
+          <a:blip r:embed="rId2"/>
+          <a:stretch>
+            <a:fillRect/>
+          </a:stretch>
+        </p:blipFill>
+        <p:spPr>
+          <a:xfrm>
+            <a:off x="1371600" y="3839634"/>
+            <a:ext cx="10033000" cy="1739900"/>
+          </a:xfrm>
+          <a:prstGeom prst="rect">
+            <a:avLst/>
+          </a:prstGeom>
+        </p:spPr>
+      </p:pic>
+    </p:spTree>
+    <p:extLst>
+      <p:ext uri="{BB962C8B-B14F-4D97-AF65-F5344CB8AC3E}">
+        <p14:creationId xmlns:p14="http://schemas.microsoft.com/office/powerpoint/2010/main" val="1838611277"/>
+      </p:ext>
+    </p:extLst>
+  </p:cSld>
+  <p:clrMapOvr>
+    <a:masterClrMapping/>
+  </p:clrMapOvr>
+</p:sld>
+</file>
+
+<file path=ppt/slides/slide14.xml><?xml version="1.0" encoding="utf-8"?>
+<p:sld xmlns:a="http://schemas.openxmlformats.org/drawingml/2006/main" xmlns:r="http://schemas.openxmlformats.org/officeDocument/2006/relationships" xmlns:p="http://schemas.openxmlformats.org/presentationml/2006/main">
+  <p:cSld>
+    <p:spTree>
+      <p:nvGrpSpPr>
+        <p:cNvPr id="1" name=""/>
+        <p:cNvGrpSpPr/>
+        <p:nvPr/>
+      </p:nvGrpSpPr>
+      <p:grpSpPr>
+        <a:xfrm>
+          <a:off x="0" y="0"/>
+          <a:ext cx="0" cy="0"/>
+          <a:chOff x="0" y="0"/>
+          <a:chExt cx="0" cy="0"/>
+        </a:xfrm>
+      </p:grpSpPr>
+      <p:sp>
+        <p:nvSpPr>
+          <p:cNvPr id="4" name="Title 3">
+            <a:extLst>
+              <a:ext uri="{FF2B5EF4-FFF2-40B4-BE49-F238E27FC236}">
+                <a16:creationId xmlns:a16="http://schemas.microsoft.com/office/drawing/2014/main" id="{284A2162-BEA3-4349-BD16-BA082B566327}"/>
+              </a:ext>
+            </a:extLst>
+          </p:cNvPr>
+          <p:cNvSpPr>
+            <a:spLocks noGrp="1"/>
+          </p:cNvSpPr>
+          <p:nvPr>
+            <p:ph type="title"/>
+          </p:nvPr>
+        </p:nvSpPr>
+        <p:spPr/>
+        <p:txBody>
+          <a:bodyPr/>
+          <a:lstStyle/>
+          <a:p>
+            <a:r>
+              <a:rPr lang="en-US" dirty="0" err="1"/>
+              <a:t>Basemaps</a:t>
+            </a:r>
+            <a:endParaRPr lang="en-US" dirty="0"/>
+          </a:p>
+        </p:txBody>
+      </p:sp>
+      <p:sp>
+        <p:nvSpPr>
+          <p:cNvPr id="5" name="Text Placeholder 4">
+            <a:extLst>
+              <a:ext uri="{FF2B5EF4-FFF2-40B4-BE49-F238E27FC236}">
+                <a16:creationId xmlns:a16="http://schemas.microsoft.com/office/drawing/2014/main" id="{80B8508D-1709-2541-9082-429B63EE8419}"/>
+              </a:ext>
+            </a:extLst>
+          </p:cNvPr>
+          <p:cNvSpPr>
+            <a:spLocks noGrp="1"/>
+          </p:cNvSpPr>
+          <p:nvPr>
+            <p:ph type="body" idx="1"/>
+          </p:nvPr>
+        </p:nvSpPr>
+        <p:spPr/>
+        <p:txBody>
+          <a:bodyPr/>
+          <a:lstStyle/>
+          <a:p>
+            <a:endParaRPr lang="en-US"/>
+          </a:p>
+        </p:txBody>
+      </p:sp>
+    </p:spTree>
+    <p:extLst>
+      <p:ext uri="{BB962C8B-B14F-4D97-AF65-F5344CB8AC3E}">
+        <p14:creationId xmlns:p14="http://schemas.microsoft.com/office/powerpoint/2010/main" val="282873599"/>
+      </p:ext>
+    </p:extLst>
+  </p:cSld>
+  <p:clrMapOvr>
+    <a:masterClrMapping/>
+  </p:clrMapOvr>
+</p:sld>
+</file>
+
+<file path=ppt/slides/slide15.xml><?xml version="1.0" encoding="utf-8"?>
+<p:sld xmlns:a="http://schemas.openxmlformats.org/drawingml/2006/main" xmlns:r="http://schemas.openxmlformats.org/officeDocument/2006/relationships" xmlns:p="http://schemas.openxmlformats.org/presentationml/2006/main">
+  <p:cSld>
+    <p:spTree>
+      <p:nvGrpSpPr>
+        <p:cNvPr id="1" name=""/>
+        <p:cNvGrpSpPr/>
+        <p:nvPr/>
+      </p:nvGrpSpPr>
+      <p:grpSpPr>
+        <a:xfrm>
+          <a:off x="0" y="0"/>
+          <a:ext cx="0" cy="0"/>
+          <a:chOff x="0" y="0"/>
+          <a:chExt cx="0" cy="0"/>
+        </a:xfrm>
+      </p:grpSpPr>
+      <p:sp>
+        <p:nvSpPr>
+          <p:cNvPr id="2" name="Title 1">
+            <a:extLst>
+              <a:ext uri="{FF2B5EF4-FFF2-40B4-BE49-F238E27FC236}">
+                <a16:creationId xmlns:a16="http://schemas.microsoft.com/office/drawing/2014/main" id="{933F032F-AA62-9C4E-81AD-BC39FDD4DC4B}"/>
+              </a:ext>
+            </a:extLst>
+          </p:cNvPr>
+          <p:cNvSpPr>
+            <a:spLocks noGrp="1"/>
+          </p:cNvSpPr>
+          <p:nvPr>
+            <p:ph type="title"/>
+          </p:nvPr>
+        </p:nvSpPr>
+        <p:spPr/>
+        <p:txBody>
+          <a:bodyPr/>
+          <a:lstStyle/>
+          <a:p>
+            <a:r>
+              <a:rPr lang="en-US" dirty="0"/>
+              <a:t>Choosing a </a:t>
+            </a:r>
+            <a:r>
+              <a:rPr lang="en-US" dirty="0" err="1"/>
+              <a:t>basemap</a:t>
+            </a:r>
+            <a:endParaRPr lang="en-US" dirty="0"/>
+          </a:p>
+        </p:txBody>
+      </p:sp>
+      <p:sp>
+        <p:nvSpPr>
+          <p:cNvPr id="3" name="Content Placeholder 2">
+            <a:extLst>
+              <a:ext uri="{FF2B5EF4-FFF2-40B4-BE49-F238E27FC236}">
+                <a16:creationId xmlns:a16="http://schemas.microsoft.com/office/drawing/2014/main" id="{34E5DE4F-BFC4-684D-B2D7-61C21F984AD4}"/>
+              </a:ext>
+            </a:extLst>
+          </p:cNvPr>
+          <p:cNvSpPr>
+            <a:spLocks noGrp="1"/>
+          </p:cNvSpPr>
+          <p:nvPr>
+            <p:ph idx="1"/>
+          </p:nvPr>
+        </p:nvSpPr>
+        <p:spPr>
+          <a:xfrm>
+            <a:off x="1371600" y="2286000"/>
+            <a:ext cx="9601200" cy="1066800"/>
+          </a:xfrm>
+        </p:spPr>
+        <p:txBody>
+          <a:bodyPr/>
+          <a:lstStyle/>
+          <a:p>
+            <a:r>
+              <a:rPr lang="en-US" dirty="0" err="1"/>
+              <a:t>Basemaps</a:t>
+            </a:r>
+            <a:r>
+              <a:rPr lang="en-US" dirty="0"/>
+              <a:t> should complement the type of map you are creating.</a:t>
+            </a:r>
+          </a:p>
+          <a:p>
+            <a:r>
+              <a:rPr lang="en-US" dirty="0"/>
+              <a:t>Reference: </a:t>
+            </a:r>
+            <a:r>
+              <a:rPr lang="en-US" dirty="0">
+                <a:hlinkClick r:id="rId2"/>
+              </a:rPr>
+              <a:t>https://leaflet-extras.github.io/leaflet-providers/preview/</a:t>
+            </a:r>
+            <a:endParaRPr lang="en-US" dirty="0"/>
+          </a:p>
+          <a:p>
+            <a:endParaRPr lang="en-US" dirty="0"/>
+          </a:p>
+        </p:txBody>
+      </p:sp>
+      <p:pic>
+        <p:nvPicPr>
+          <p:cNvPr id="5" name="Picture 4">
+            <a:extLst>
+              <a:ext uri="{FF2B5EF4-FFF2-40B4-BE49-F238E27FC236}">
+                <a16:creationId xmlns:a16="http://schemas.microsoft.com/office/drawing/2014/main" id="{BCB7549C-8827-4B4F-99F7-1785C53FC0F6}"/>
+              </a:ext>
+            </a:extLst>
+          </p:cNvPr>
+          <p:cNvPicPr>
+            <a:picLocks noChangeAspect="1"/>
+          </p:cNvPicPr>
+          <p:nvPr/>
+        </p:nvPicPr>
+        <p:blipFill>
+          <a:blip r:embed="rId3"/>
+          <a:stretch>
+            <a:fillRect/>
+          </a:stretch>
+        </p:blipFill>
+        <p:spPr>
+          <a:xfrm>
+            <a:off x="1623314" y="3467100"/>
+            <a:ext cx="6311900" cy="1397000"/>
+          </a:xfrm>
+          <a:prstGeom prst="rect">
+            <a:avLst/>
+          </a:prstGeom>
+        </p:spPr>
+      </p:pic>
+      <p:sp>
+        <p:nvSpPr>
+          <p:cNvPr id="6" name="Oval 5">
+            <a:extLst>
+              <a:ext uri="{FF2B5EF4-FFF2-40B4-BE49-F238E27FC236}">
+                <a16:creationId xmlns:a16="http://schemas.microsoft.com/office/drawing/2014/main" id="{496E35A9-20F9-D14C-96BF-BC9F38328213}"/>
+              </a:ext>
+            </a:extLst>
+          </p:cNvPr>
+          <p:cNvSpPr/>
+          <p:nvPr/>
+        </p:nvSpPr>
+        <p:spPr>
+          <a:xfrm>
+            <a:off x="1371600" y="4519043"/>
+            <a:ext cx="3528204" cy="345057"/>
+          </a:xfrm>
+          <a:prstGeom prst="ellipse">
+            <a:avLst/>
+          </a:prstGeom>
+          <a:noFill/>
+          <a:ln>
+            <a:solidFill>
+              <a:schemeClr val="accent6"/>
+            </a:solidFill>
+          </a:ln>
+        </p:spPr>
+        <p:style>
+          <a:lnRef idx="2">
+            <a:schemeClr val="accent1">
+              <a:shade val="50000"/>
+            </a:schemeClr>
+          </a:lnRef>
+          <a:fillRef idx="1">
+            <a:schemeClr val="accent1"/>
+          </a:fillRef>
+          <a:effectRef idx="0">
+            <a:schemeClr val="accent1"/>
+          </a:effectRef>
+          <a:fontRef idx="minor">
+            <a:schemeClr val="lt1"/>
+          </a:fontRef>
+        </p:style>
+        <p:txBody>
+          <a:bodyPr rtlCol="0" anchor="ctr"/>
+          <a:lstStyle/>
+          <a:p>
+            <a:pPr algn="ctr"/>
+            <a:endParaRPr lang="en-US">
+              <a:solidFill>
+                <a:sysClr val="windowText" lastClr="000000"/>
+              </a:solidFill>
+            </a:endParaRPr>
+          </a:p>
+        </p:txBody>
+      </p:sp>
+      <p:pic>
+        <p:nvPicPr>
+          <p:cNvPr id="9" name="Picture 8">
+            <a:extLst>
+              <a:ext uri="{FF2B5EF4-FFF2-40B4-BE49-F238E27FC236}">
+                <a16:creationId xmlns:a16="http://schemas.microsoft.com/office/drawing/2014/main" id="{1E7168C7-B357-8A40-BFE9-B693B0F091E5}"/>
+              </a:ext>
+            </a:extLst>
+          </p:cNvPr>
+          <p:cNvPicPr>
+            <a:picLocks noChangeAspect="1"/>
+          </p:cNvPicPr>
+          <p:nvPr/>
+        </p:nvPicPr>
+        <p:blipFill>
+          <a:blip r:embed="rId4"/>
+          <a:stretch>
+            <a:fillRect/>
+          </a:stretch>
+        </p:blipFill>
+        <p:spPr>
+          <a:xfrm>
+            <a:off x="2052574" y="5433443"/>
+            <a:ext cx="8623300" cy="482600"/>
+          </a:xfrm>
+          <a:prstGeom prst="rect">
+            <a:avLst/>
+          </a:prstGeom>
+        </p:spPr>
+      </p:pic>
+    </p:spTree>
+    <p:extLst>
+      <p:ext uri="{BB962C8B-B14F-4D97-AF65-F5344CB8AC3E}">
+        <p14:creationId xmlns:p14="http://schemas.microsoft.com/office/powerpoint/2010/main" val="1303475575"/>
+      </p:ext>
+    </p:extLst>
+  </p:cSld>
+  <p:clrMapOvr>
+    <a:masterClrMapping/>
+  </p:clrMapOvr>
+</p:sld>
+</file>
+
+<file path=ppt/slides/slide16.xml><?xml version="1.0" encoding="utf-8"?>
+<p:sld xmlns:a="http://schemas.openxmlformats.org/drawingml/2006/main" xmlns:r="http://schemas.openxmlformats.org/officeDocument/2006/relationships" xmlns:p="http://schemas.openxmlformats.org/presentationml/2006/main">
+  <p:cSld>
+    <p:bg>
+      <p:bgPr>
+        <a:solidFill>
+          <a:schemeClr val="bg2"/>
+        </a:solidFill>
+        <a:effectLst/>
+      </p:bgPr>
+    </p:bg>
+    <p:spTree>
+      <p:nvGrpSpPr>
+        <p:cNvPr id="1" name=""/>
+        <p:cNvGrpSpPr/>
+        <p:nvPr/>
+      </p:nvGrpSpPr>
+      <p:grpSpPr>
+        <a:xfrm>
+          <a:off x="0" y="0"/>
+          <a:ext cx="0" cy="0"/>
+          <a:chOff x="0" y="0"/>
+          <a:chExt cx="0" cy="0"/>
+        </a:xfrm>
+      </p:grpSpPr>
+      <p:sp>
+        <p:nvSpPr>
+          <p:cNvPr id="2" name="Title 1">
+            <a:extLst>
+              <a:ext uri="{FF2B5EF4-FFF2-40B4-BE49-F238E27FC236}">
+                <a16:creationId xmlns:a16="http://schemas.microsoft.com/office/drawing/2014/main" id="{A2C80579-A65E-EA42-9358-F1309934ED32}"/>
+              </a:ext>
+            </a:extLst>
+          </p:cNvPr>
+          <p:cNvSpPr>
+            <a:spLocks noGrp="1"/>
+          </p:cNvSpPr>
+          <p:nvPr>
+            <p:ph type="title"/>
+          </p:nvPr>
+        </p:nvSpPr>
+        <p:spPr>
+          <a:xfrm>
+            <a:off x="7860667" y="685800"/>
+            <a:ext cx="3656419" cy="1485900"/>
+          </a:xfrm>
+        </p:spPr>
+        <p:txBody>
+          <a:bodyPr>
+            <a:normAutofit/>
+          </a:bodyPr>
+          <a:lstStyle/>
+          <a:p>
+            <a:r>
+              <a:rPr lang="en-US" dirty="0"/>
+              <a:t>Giving users options</a:t>
+            </a:r>
+          </a:p>
+        </p:txBody>
+      </p:sp>
+      <p:sp>
+        <p:nvSpPr>
+          <p:cNvPr id="10" name="Rectangle 9">
+            <a:extLst>
+              <a:ext uri="{FF2B5EF4-FFF2-40B4-BE49-F238E27FC236}">
+                <a16:creationId xmlns:a16="http://schemas.microsoft.com/office/drawing/2014/main" id="{BEC9E7FA-3295-45ED-8253-D23F9E44E1DA}"/>
+              </a:ext>
+              <a:ext uri="{C183D7F6-B498-43B3-948B-1728B52AA6E4}">
+                <adec:decorative xmlns:adec="http://schemas.microsoft.com/office/drawing/2017/decorative" val="1"/>
+              </a:ext>
+            </a:extLst>
+          </p:cNvPr>
+          <p:cNvSpPr>
+            <a:spLocks noGrp="1" noRot="1" noChangeAspect="1" noMove="1" noResize="1" noEditPoints="1" noAdjustHandles="1" noChangeArrowheads="1" noChangeShapeType="1" noTextEdit="1"/>
+          </p:cNvSpPr>
+          <p:nvPr>
+            <p:extLst>
+              <p:ext uri="{386F3935-93C4-4BCD-93E2-E3B085C9AB24}">
+                <p16:designElem xmlns:p16="http://schemas.microsoft.com/office/powerpoint/2015/main" val="1"/>
+              </p:ext>
+            </p:extLst>
+          </p:nvPr>
+        </p:nvSpPr>
+        <p:spPr>
+          <a:xfrm>
+            <a:off x="478095" y="376"/>
+            <a:ext cx="228600" cy="6858000"/>
+          </a:xfrm>
+          <a:prstGeom prst="rect">
+            <a:avLst/>
+          </a:prstGeom>
+          <a:solidFill>
+            <a:schemeClr val="tx2"/>
+          </a:solidFill>
+          <a:ln>
+            <a:noFill/>
+          </a:ln>
+        </p:spPr>
+        <p:style>
+          <a:lnRef idx="2">
+            <a:schemeClr val="accent1">
+              <a:shade val="50000"/>
+            </a:schemeClr>
+          </a:lnRef>
+          <a:fillRef idx="1">
+            <a:schemeClr val="accent1"/>
+          </a:fillRef>
+          <a:effectRef idx="0">
+            <a:schemeClr val="accent1"/>
+          </a:effectRef>
+          <a:fontRef idx="minor">
+            <a:schemeClr val="lt1"/>
+          </a:fontRef>
+        </p:style>
+      </p:sp>
+      <p:pic>
+        <p:nvPicPr>
+          <p:cNvPr id="5" name="Picture 4">
+            <a:extLst>
+              <a:ext uri="{FF2B5EF4-FFF2-40B4-BE49-F238E27FC236}">
+                <a16:creationId xmlns:a16="http://schemas.microsoft.com/office/drawing/2014/main" id="{2A0A4009-F1B7-DA4B-81BD-BCC365C21D9C}"/>
+              </a:ext>
+            </a:extLst>
+          </p:cNvPr>
+          <p:cNvPicPr>
+            <a:picLocks noChangeAspect="1"/>
+          </p:cNvPicPr>
+          <p:nvPr/>
+        </p:nvPicPr>
+        <p:blipFill>
+          <a:blip r:embed="rId2"/>
+          <a:stretch>
+            <a:fillRect/>
+          </a:stretch>
+        </p:blipFill>
+        <p:spPr>
+          <a:xfrm>
+            <a:off x="1023561" y="2084059"/>
+            <a:ext cx="6517065" cy="2369841"/>
+          </a:xfrm>
+          <a:prstGeom prst="rect">
+            <a:avLst/>
+          </a:prstGeom>
+        </p:spPr>
+      </p:pic>
+      <p:sp>
+        <p:nvSpPr>
+          <p:cNvPr id="3" name="Content Placeholder 2">
+            <a:extLst>
+              <a:ext uri="{FF2B5EF4-FFF2-40B4-BE49-F238E27FC236}">
+                <a16:creationId xmlns:a16="http://schemas.microsoft.com/office/drawing/2014/main" id="{C3253099-A1CD-CC4F-BA3E-33E9332C1B9F}"/>
+              </a:ext>
+            </a:extLst>
+          </p:cNvPr>
+          <p:cNvSpPr>
+            <a:spLocks noGrp="1"/>
+          </p:cNvSpPr>
+          <p:nvPr>
+            <p:ph idx="1"/>
+          </p:nvPr>
+        </p:nvSpPr>
+        <p:spPr>
+          <a:xfrm>
+            <a:off x="7860667" y="2286000"/>
+            <a:ext cx="3656419" cy="3581400"/>
+          </a:xfrm>
+        </p:spPr>
+        <p:txBody>
+          <a:bodyPr>
+            <a:normAutofit/>
+          </a:bodyPr>
+          <a:lstStyle/>
+          <a:p>
+            <a:r>
+              <a:rPr lang="en-US" dirty="0"/>
+              <a:t>Layer control let you give users the option to choose their </a:t>
+            </a:r>
+            <a:r>
+              <a:rPr lang="en-US" dirty="0" err="1"/>
+              <a:t>basemap</a:t>
+            </a:r>
+            <a:endParaRPr lang="en-US" dirty="0"/>
+          </a:p>
+          <a:p>
+            <a:r>
+              <a:rPr lang="en-US" dirty="0"/>
+              <a:t>Layer control also has a </a:t>
+            </a:r>
+            <a:r>
+              <a:rPr lang="en-US" dirty="0" err="1"/>
+              <a:t>overlayGroups</a:t>
+            </a:r>
+            <a:r>
+              <a:rPr lang="en-US" dirty="0"/>
+              <a:t> which works with any other layer added to the map</a:t>
+            </a:r>
+          </a:p>
+        </p:txBody>
+      </p:sp>
+    </p:spTree>
+    <p:extLst>
+      <p:ext uri="{BB962C8B-B14F-4D97-AF65-F5344CB8AC3E}">
+        <p14:creationId xmlns:p14="http://schemas.microsoft.com/office/powerpoint/2010/main" val="4202394073"/>
+      </p:ext>
+    </p:extLst>
+  </p:cSld>
+  <p:clrMapOvr>
+    <a:masterClrMapping/>
+  </p:clrMapOvr>
+</p:sld>
+</file>
+
+<file path=ppt/slides/slide17.xml><?xml version="1.0" encoding="utf-8"?>
+<p:sld xmlns:a="http://schemas.openxmlformats.org/drawingml/2006/main" xmlns:r="http://schemas.openxmlformats.org/officeDocument/2006/relationships" xmlns:p="http://schemas.openxmlformats.org/presentationml/2006/main">
+  <p:cSld>
+    <p:spTree>
+      <p:nvGrpSpPr>
+        <p:cNvPr id="1" name=""/>
+        <p:cNvGrpSpPr/>
+        <p:nvPr/>
+      </p:nvGrpSpPr>
+      <p:grpSpPr>
+        <a:xfrm>
+          <a:off x="0" y="0"/>
+          <a:ext cx="0" cy="0"/>
+          <a:chOff x="0" y="0"/>
+          <a:chExt cx="0" cy="0"/>
+        </a:xfrm>
+      </p:grpSpPr>
+      <p:sp>
+        <p:nvSpPr>
+          <p:cNvPr id="2" name="Title 1">
+            <a:extLst>
+              <a:ext uri="{FF2B5EF4-FFF2-40B4-BE49-F238E27FC236}">
+                <a16:creationId xmlns:a16="http://schemas.microsoft.com/office/drawing/2014/main" id="{ECB732D7-061C-BB4C-822A-F540F6B0FFCD}"/>
+              </a:ext>
+            </a:extLst>
+          </p:cNvPr>
+          <p:cNvSpPr>
+            <a:spLocks noGrp="1"/>
+          </p:cNvSpPr>
+          <p:nvPr>
+            <p:ph type="title"/>
+          </p:nvPr>
+        </p:nvSpPr>
+        <p:spPr/>
+        <p:txBody>
+          <a:bodyPr>
+            <a:normAutofit/>
+          </a:bodyPr>
+          <a:lstStyle/>
+          <a:p>
+            <a:r>
+              <a:rPr lang="en-US" dirty="0"/>
+              <a:t>Layer Controls</a:t>
+            </a:r>
+          </a:p>
+        </p:txBody>
+      </p:sp>
+      <p:sp>
+        <p:nvSpPr>
+          <p:cNvPr id="3" name="Content Placeholder 2">
+            <a:extLst>
+              <a:ext uri="{FF2B5EF4-FFF2-40B4-BE49-F238E27FC236}">
+                <a16:creationId xmlns:a16="http://schemas.microsoft.com/office/drawing/2014/main" id="{3627BB94-90B3-7D4A-BB17-8C04A57F66A0}"/>
+              </a:ext>
+            </a:extLst>
+          </p:cNvPr>
+          <p:cNvSpPr>
+            <a:spLocks noGrp="1"/>
+          </p:cNvSpPr>
+          <p:nvPr>
+            <p:ph sz="half" idx="1"/>
+          </p:nvPr>
+        </p:nvSpPr>
+        <p:spPr/>
+        <p:txBody>
+          <a:bodyPr/>
+          <a:lstStyle/>
+          <a:p>
+            <a:r>
+              <a:rPr lang="en-US" dirty="0" err="1"/>
+              <a:t>baseGroups</a:t>
+            </a:r>
+            <a:r>
+              <a:rPr lang="en-US" dirty="0"/>
+              <a:t> (list of </a:t>
+            </a:r>
+            <a:r>
+              <a:rPr lang="en-US" dirty="0" err="1"/>
+              <a:t>basemaps</a:t>
+            </a:r>
+            <a:r>
+              <a:rPr lang="en-US" dirty="0"/>
+              <a:t> as characters)</a:t>
+            </a:r>
+          </a:p>
+          <a:p>
+            <a:r>
+              <a:rPr lang="en-US" dirty="0" err="1"/>
+              <a:t>overLayerGroups</a:t>
+            </a:r>
+            <a:r>
+              <a:rPr lang="en-US" dirty="0"/>
+              <a:t> (list of all all other groupings)</a:t>
+            </a:r>
+          </a:p>
+          <a:p>
+            <a:r>
+              <a:rPr lang="en-US" dirty="0"/>
+              <a:t>position (character argument, </a:t>
+            </a:r>
+            <a:r>
+              <a:rPr lang="en-US" dirty="0" err="1"/>
+              <a:t>ie</a:t>
+            </a:r>
+            <a:r>
+              <a:rPr lang="en-US" dirty="0"/>
+              <a:t>: “</a:t>
+            </a:r>
+            <a:r>
+              <a:rPr lang="en-US" dirty="0" err="1"/>
+              <a:t>bottomright</a:t>
+            </a:r>
+            <a:r>
+              <a:rPr lang="en-US" dirty="0"/>
+              <a:t>”, “</a:t>
+            </a:r>
+            <a:r>
+              <a:rPr lang="en-US" dirty="0" err="1"/>
+              <a:t>topleft</a:t>
+            </a:r>
+            <a:r>
+              <a:rPr lang="en-US" dirty="0"/>
+              <a:t>”)</a:t>
+            </a:r>
+          </a:p>
+          <a:p>
+            <a:r>
+              <a:rPr lang="en-US" dirty="0"/>
+              <a:t>data (piped in map)</a:t>
+            </a:r>
+          </a:p>
+          <a:p>
+            <a:r>
+              <a:rPr lang="en-US" dirty="0"/>
+              <a:t>collapsed (</a:t>
+            </a:r>
+            <a:r>
+              <a:rPr lang="en-US" dirty="0" err="1"/>
+              <a:t>boolean</a:t>
+            </a:r>
+            <a:r>
+              <a:rPr lang="en-US" dirty="0"/>
+              <a:t>,)</a:t>
+            </a:r>
+          </a:p>
+          <a:p>
+            <a:endParaRPr lang="en-US" dirty="0"/>
           </a:p>
         </p:txBody>
       </p:sp>
@@ -4299,7 +5480,7 @@
           <p:cNvPr id="4" name="Content Placeholder 3">
             <a:extLst>
               <a:ext uri="{FF2B5EF4-FFF2-40B4-BE49-F238E27FC236}">
-                <a16:creationId xmlns:a16="http://schemas.microsoft.com/office/drawing/2014/main" id="{BAE8C708-EB2C-4D4C-98B8-BC0BF14A8E2E}"/>
+                <a16:creationId xmlns:a16="http://schemas.microsoft.com/office/drawing/2014/main" id="{42B8CEF3-6203-1148-80AD-2248D453E20A}"/>
               </a:ext>
             </a:extLst>
           </p:cNvPr>
@@ -4315,24 +5496,319 @@
           <a:bodyPr/>
           <a:lstStyle/>
           <a:p>
-            <a:r>
-              <a:rPr lang="en-US" dirty="0" err="1"/>
-              <a:t>jsonlite</a:t>
-            </a:r>
+            <a:pPr marL="0" indent="0">
+              <a:buNone/>
+            </a:pPr>
             <a:endParaRPr lang="en-US" dirty="0"/>
           </a:p>
           <a:p>
-            <a:r>
-              <a:rPr lang="en-US" dirty="0"/>
-              <a:t>Easily load and read JSON objects in R</a:t>
-            </a:r>
+            <a:endParaRPr lang="en-US" dirty="0"/>
           </a:p>
         </p:txBody>
       </p:sp>
     </p:spTree>
     <p:extLst>
       <p:ext uri="{BB962C8B-B14F-4D97-AF65-F5344CB8AC3E}">
-        <p14:creationId xmlns:p14="http://schemas.microsoft.com/office/powerpoint/2010/main" val="2995080687"/>
+        <p14:creationId xmlns:p14="http://schemas.microsoft.com/office/powerpoint/2010/main" val="1304956018"/>
+      </p:ext>
+    </p:extLst>
+  </p:cSld>
+  <p:clrMapOvr>
+    <a:masterClrMapping/>
+  </p:clrMapOvr>
+</p:sld>
+</file>
+
+<file path=ppt/slides/slide18.xml><?xml version="1.0" encoding="utf-8"?>
+<p:sld xmlns:a="http://schemas.openxmlformats.org/drawingml/2006/main" xmlns:r="http://schemas.openxmlformats.org/officeDocument/2006/relationships" xmlns:p="http://schemas.openxmlformats.org/presentationml/2006/main">
+  <p:cSld>
+    <p:spTree>
+      <p:nvGrpSpPr>
+        <p:cNvPr id="1" name=""/>
+        <p:cNvGrpSpPr/>
+        <p:nvPr/>
+      </p:nvGrpSpPr>
+      <p:grpSpPr>
+        <a:xfrm>
+          <a:off x="0" y="0"/>
+          <a:ext cx="0" cy="0"/>
+          <a:chOff x="0" y="0"/>
+          <a:chExt cx="0" cy="0"/>
+        </a:xfrm>
+      </p:grpSpPr>
+      <p:sp>
+        <p:nvSpPr>
+          <p:cNvPr id="2" name="Title 1">
+            <a:extLst>
+              <a:ext uri="{FF2B5EF4-FFF2-40B4-BE49-F238E27FC236}">
+                <a16:creationId xmlns:a16="http://schemas.microsoft.com/office/drawing/2014/main" id="{C10713FD-8CF6-A940-B446-8DB8325767F4}"/>
+              </a:ext>
+            </a:extLst>
+          </p:cNvPr>
+          <p:cNvSpPr>
+            <a:spLocks noGrp="1"/>
+          </p:cNvSpPr>
+          <p:nvPr>
+            <p:ph type="title"/>
+          </p:nvPr>
+        </p:nvSpPr>
+        <p:spPr/>
+        <p:txBody>
+          <a:bodyPr/>
+          <a:lstStyle/>
+          <a:p>
+            <a:r>
+              <a:rPr lang="en-US"/>
+              <a:t>Shapes</a:t>
+            </a:r>
+            <a:endParaRPr lang="en-US" dirty="0"/>
+          </a:p>
+        </p:txBody>
+      </p:sp>
+      <p:sp>
+        <p:nvSpPr>
+          <p:cNvPr id="3" name="Text Placeholder 2">
+            <a:extLst>
+              <a:ext uri="{FF2B5EF4-FFF2-40B4-BE49-F238E27FC236}">
+                <a16:creationId xmlns:a16="http://schemas.microsoft.com/office/drawing/2014/main" id="{CCB14A8A-E91A-CC4F-B006-9125608D9925}"/>
+              </a:ext>
+            </a:extLst>
+          </p:cNvPr>
+          <p:cNvSpPr>
+            <a:spLocks noGrp="1"/>
+          </p:cNvSpPr>
+          <p:nvPr>
+            <p:ph type="body" idx="1"/>
+          </p:nvPr>
+        </p:nvSpPr>
+        <p:spPr/>
+        <p:txBody>
+          <a:bodyPr/>
+          <a:lstStyle/>
+          <a:p>
+            <a:r>
+              <a:rPr lang="en-US" dirty="0"/>
+              <a:t>Circles, Lines &amp; Polygons</a:t>
+            </a:r>
+          </a:p>
+        </p:txBody>
+      </p:sp>
+    </p:spTree>
+    <p:extLst>
+      <p:ext uri="{BB962C8B-B14F-4D97-AF65-F5344CB8AC3E}">
+        <p14:creationId xmlns:p14="http://schemas.microsoft.com/office/powerpoint/2010/main" val="3812106291"/>
+      </p:ext>
+    </p:extLst>
+  </p:cSld>
+  <p:clrMapOvr>
+    <a:masterClrMapping/>
+  </p:clrMapOvr>
+</p:sld>
+</file>
+
+<file path=ppt/slides/slide19.xml><?xml version="1.0" encoding="utf-8"?>
+<p:sld xmlns:a="http://schemas.openxmlformats.org/drawingml/2006/main" xmlns:r="http://schemas.openxmlformats.org/officeDocument/2006/relationships" xmlns:p="http://schemas.openxmlformats.org/presentationml/2006/main">
+  <p:cSld>
+    <p:spTree>
+      <p:nvGrpSpPr>
+        <p:cNvPr id="1" name=""/>
+        <p:cNvGrpSpPr/>
+        <p:nvPr/>
+      </p:nvGrpSpPr>
+      <p:grpSpPr>
+        <a:xfrm>
+          <a:off x="0" y="0"/>
+          <a:ext cx="0" cy="0"/>
+          <a:chOff x="0" y="0"/>
+          <a:chExt cx="0" cy="0"/>
+        </a:xfrm>
+      </p:grpSpPr>
+      <p:sp>
+        <p:nvSpPr>
+          <p:cNvPr id="2" name="Title 1">
+            <a:extLst>
+              <a:ext uri="{FF2B5EF4-FFF2-40B4-BE49-F238E27FC236}">
+                <a16:creationId xmlns:a16="http://schemas.microsoft.com/office/drawing/2014/main" id="{ECB732D7-061C-BB4C-822A-F540F6B0FFCD}"/>
+              </a:ext>
+            </a:extLst>
+          </p:cNvPr>
+          <p:cNvSpPr>
+            <a:spLocks noGrp="1"/>
+          </p:cNvSpPr>
+          <p:nvPr>
+            <p:ph type="title"/>
+          </p:nvPr>
+        </p:nvSpPr>
+        <p:spPr/>
+        <p:txBody>
+          <a:bodyPr>
+            <a:normAutofit/>
+          </a:bodyPr>
+          <a:lstStyle/>
+          <a:p>
+            <a:r>
+              <a:rPr lang="en-US" dirty="0"/>
+              <a:t>Shapes vs lines: one just connects</a:t>
+            </a:r>
+          </a:p>
+        </p:txBody>
+      </p:sp>
+      <p:sp>
+        <p:nvSpPr>
+          <p:cNvPr id="3" name="Content Placeholder 2">
+            <a:extLst>
+              <a:ext uri="{FF2B5EF4-FFF2-40B4-BE49-F238E27FC236}">
+                <a16:creationId xmlns:a16="http://schemas.microsoft.com/office/drawing/2014/main" id="{3627BB94-90B3-7D4A-BB17-8C04A57F66A0}"/>
+              </a:ext>
+            </a:extLst>
+          </p:cNvPr>
+          <p:cNvSpPr>
+            <a:spLocks noGrp="1"/>
+          </p:cNvSpPr>
+          <p:nvPr>
+            <p:ph sz="half" idx="1"/>
+          </p:nvPr>
+        </p:nvSpPr>
+        <p:spPr/>
+        <p:txBody>
+          <a:bodyPr/>
+          <a:lstStyle/>
+          <a:p>
+            <a:r>
+              <a:rPr lang="en-US" dirty="0" err="1"/>
+              <a:t>lng</a:t>
+            </a:r>
+            <a:r>
+              <a:rPr lang="en-US" dirty="0"/>
+              <a:t> (fortified data)</a:t>
+            </a:r>
+          </a:p>
+          <a:p>
+            <a:r>
+              <a:rPr lang="en-US" dirty="0" err="1"/>
+              <a:t>lat</a:t>
+            </a:r>
+            <a:r>
+              <a:rPr lang="en-US" dirty="0"/>
+              <a:t> (fortified data)</a:t>
+            </a:r>
+          </a:p>
+          <a:p>
+            <a:r>
+              <a:rPr lang="en-US" dirty="0" err="1"/>
+              <a:t>layerId</a:t>
+            </a:r>
+            <a:r>
+              <a:rPr lang="en-US" dirty="0"/>
+              <a:t> (for input use)</a:t>
+            </a:r>
+          </a:p>
+          <a:p>
+            <a:r>
+              <a:rPr lang="en-US" dirty="0"/>
+              <a:t>group (for </a:t>
+            </a:r>
+            <a:r>
+              <a:rPr lang="en-US" dirty="0" err="1"/>
+              <a:t>layerControls</a:t>
+            </a:r>
+            <a:r>
+              <a:rPr lang="en-US" dirty="0"/>
+              <a:t>)</a:t>
+            </a:r>
+          </a:p>
+          <a:p>
+            <a:r>
+              <a:rPr lang="en-US" dirty="0"/>
+              <a:t>stroke (Boolean, outline)</a:t>
+            </a:r>
+          </a:p>
+          <a:p>
+            <a:r>
+              <a:rPr lang="en-US" dirty="0"/>
+              <a:t>color (outline, takes hex)</a:t>
+            </a:r>
+          </a:p>
+          <a:p>
+            <a:r>
+              <a:rPr lang="en-US" dirty="0"/>
+              <a:t>weight (outline strength)</a:t>
+            </a:r>
+          </a:p>
+          <a:p>
+            <a:r>
+              <a:rPr lang="en-US" dirty="0"/>
+              <a:t>opacity (alpha of the line)</a:t>
+            </a:r>
+          </a:p>
+        </p:txBody>
+      </p:sp>
+      <p:sp>
+        <p:nvSpPr>
+          <p:cNvPr id="4" name="Content Placeholder 3">
+            <a:extLst>
+              <a:ext uri="{FF2B5EF4-FFF2-40B4-BE49-F238E27FC236}">
+                <a16:creationId xmlns:a16="http://schemas.microsoft.com/office/drawing/2014/main" id="{42B8CEF3-6203-1148-80AD-2248D453E20A}"/>
+              </a:ext>
+            </a:extLst>
+          </p:cNvPr>
+          <p:cNvSpPr>
+            <a:spLocks noGrp="1"/>
+          </p:cNvSpPr>
+          <p:nvPr>
+            <p:ph sz="half" idx="2"/>
+          </p:nvPr>
+        </p:nvSpPr>
+        <p:spPr/>
+        <p:txBody>
+          <a:bodyPr/>
+          <a:lstStyle/>
+          <a:p>
+            <a:r>
+              <a:rPr lang="en-US" dirty="0"/>
+              <a:t>fill (</a:t>
+            </a:r>
+            <a:r>
+              <a:rPr lang="en-US" dirty="0" err="1"/>
+              <a:t>boolean</a:t>
+            </a:r>
+            <a:r>
+              <a:rPr lang="en-US" dirty="0"/>
+              <a:t>)</a:t>
+            </a:r>
+          </a:p>
+          <a:p>
+            <a:r>
+              <a:rPr lang="en-US" dirty="0" err="1"/>
+              <a:t>fillColor</a:t>
+            </a:r>
+            <a:r>
+              <a:rPr lang="en-US" dirty="0"/>
+              <a:t> (takes hex)</a:t>
+            </a:r>
+          </a:p>
+          <a:p>
+            <a:r>
+              <a:rPr lang="en-US" dirty="0" err="1"/>
+              <a:t>fillOpacity</a:t>
+            </a:r>
+            <a:r>
+              <a:rPr lang="en-US" dirty="0"/>
+              <a:t> (alpha of fill)</a:t>
+            </a:r>
+          </a:p>
+          <a:p>
+            <a:r>
+              <a:rPr lang="en-US" dirty="0"/>
+              <a:t>and More!</a:t>
+            </a:r>
+          </a:p>
+        </p:txBody>
+      </p:sp>
+    </p:spTree>
+    <p:extLst>
+      <p:ext uri="{BB962C8B-B14F-4D97-AF65-F5344CB8AC3E}">
+        <p14:creationId xmlns:p14="http://schemas.microsoft.com/office/powerpoint/2010/main" val="265694123"/>
       </p:ext>
     </p:extLst>
   </p:cSld>
@@ -4435,10 +5911,9 @@
           </a:p>
           <a:p>
             <a:r>
-              <a:rPr lang="en-US" dirty="0" err="1"/>
-              <a:t>Basemaps</a:t>
-            </a:r>
-            <a:endParaRPr lang="en-US" dirty="0"/>
+              <a:rPr lang="en-US" dirty="0"/>
+              <a:t>Base maps</a:t>
+            </a:r>
           </a:p>
           <a:p>
             <a:r>
@@ -4542,7 +6017,7 @@
 </p:sld>
 </file>
 
-<file path=ppt/slides/slide3.xml><?xml version="1.0" encoding="utf-8"?>
+<file path=ppt/slides/slide20.xml><?xml version="1.0" encoding="utf-8"?>
 <p:sld xmlns:a="http://schemas.openxmlformats.org/drawingml/2006/main" xmlns:r="http://schemas.openxmlformats.org/officeDocument/2006/relationships" xmlns:p="http://schemas.openxmlformats.org/presentationml/2006/main">
   <p:cSld>
     <p:spTree>
@@ -4564,7 +6039,7 @@
           <p:cNvPr id="2" name="Title 1">
             <a:extLst>
               <a:ext uri="{FF2B5EF4-FFF2-40B4-BE49-F238E27FC236}">
-                <a16:creationId xmlns:a16="http://schemas.microsoft.com/office/drawing/2014/main" id="{DC54123F-79C1-7A4D-890B-CDE303DF17C2}"/>
+                <a16:creationId xmlns:a16="http://schemas.microsoft.com/office/drawing/2014/main" id="{36F4AC19-1E8E-1740-8D54-51C3F521593F}"/>
               </a:ext>
             </a:extLst>
           </p:cNvPr>
@@ -4582,40 +6057,1450 @@
           <a:p>
             <a:r>
               <a:rPr lang="en-US" dirty="0"/>
-              <a:t>Leaflet</a:t>
-            </a:r>
-          </a:p>
-        </p:txBody>
-      </p:sp>
-      <p:sp>
-        <p:nvSpPr>
-          <p:cNvPr id="3" name="Text Placeholder 2">
+              <a:t>Basic Shape</a:t>
+            </a:r>
+          </a:p>
+        </p:txBody>
+      </p:sp>
+      <p:pic>
+        <p:nvPicPr>
+          <p:cNvPr id="7" name="Picture 6">
             <a:extLst>
               <a:ext uri="{FF2B5EF4-FFF2-40B4-BE49-F238E27FC236}">
-                <a16:creationId xmlns:a16="http://schemas.microsoft.com/office/drawing/2014/main" id="{3B486944-D159-754C-964D-2715CC8FC80C}"/>
+                <a16:creationId xmlns:a16="http://schemas.microsoft.com/office/drawing/2014/main" id="{90B07E1B-345B-EB42-8E6C-499BFDB3738C}"/>
               </a:ext>
             </a:extLst>
           </p:cNvPr>
-          <p:cNvSpPr>
-            <a:spLocks noGrp="1"/>
-          </p:cNvSpPr>
-          <p:nvPr>
-            <p:ph type="body" idx="1"/>
-          </p:nvPr>
-        </p:nvSpPr>
-        <p:spPr/>
-        <p:txBody>
-          <a:bodyPr/>
-          <a:lstStyle/>
-          <a:p>
-            <a:endParaRPr lang="en-US"/>
-          </a:p>
-        </p:txBody>
-      </p:sp>
+          <p:cNvPicPr>
+            <a:picLocks noChangeAspect="1"/>
+          </p:cNvPicPr>
+          <p:nvPr/>
+        </p:nvPicPr>
+        <p:blipFill>
+          <a:blip r:embed="rId2"/>
+          <a:stretch>
+            <a:fillRect/>
+          </a:stretch>
+        </p:blipFill>
+        <p:spPr>
+          <a:xfrm>
+            <a:off x="1566215" y="2478505"/>
+            <a:ext cx="9365632" cy="1840831"/>
+          </a:xfrm>
+          <a:prstGeom prst="rect">
+            <a:avLst/>
+          </a:prstGeom>
+        </p:spPr>
+      </p:pic>
     </p:spTree>
     <p:extLst>
       <p:ext uri="{BB962C8B-B14F-4D97-AF65-F5344CB8AC3E}">
-        <p14:creationId xmlns:p14="http://schemas.microsoft.com/office/powerpoint/2010/main" val="3374088551"/>
+        <p14:creationId xmlns:p14="http://schemas.microsoft.com/office/powerpoint/2010/main" val="3300730309"/>
+      </p:ext>
+    </p:extLst>
+  </p:cSld>
+  <p:clrMapOvr>
+    <a:masterClrMapping/>
+  </p:clrMapOvr>
+</p:sld>
+</file>
+
+<file path=ppt/slides/slide21.xml><?xml version="1.0" encoding="utf-8"?>
+<p:sld xmlns:a="http://schemas.openxmlformats.org/drawingml/2006/main" xmlns:r="http://schemas.openxmlformats.org/officeDocument/2006/relationships" xmlns:p="http://schemas.openxmlformats.org/presentationml/2006/main">
+  <p:cSld>
+    <p:spTree>
+      <p:nvGrpSpPr>
+        <p:cNvPr id="1" name=""/>
+        <p:cNvGrpSpPr/>
+        <p:nvPr/>
+      </p:nvGrpSpPr>
+      <p:grpSpPr>
+        <a:xfrm>
+          <a:off x="0" y="0"/>
+          <a:ext cx="0" cy="0"/>
+          <a:chOff x="0" y="0"/>
+          <a:chExt cx="0" cy="0"/>
+        </a:xfrm>
+      </p:grpSpPr>
+      <p:sp>
+        <p:nvSpPr>
+          <p:cNvPr id="2" name="Title 1">
+            <a:extLst>
+              <a:ext uri="{FF2B5EF4-FFF2-40B4-BE49-F238E27FC236}">
+                <a16:creationId xmlns:a16="http://schemas.microsoft.com/office/drawing/2014/main" id="{36F4AC19-1E8E-1740-8D54-51C3F521593F}"/>
+              </a:ext>
+            </a:extLst>
+          </p:cNvPr>
+          <p:cNvSpPr>
+            <a:spLocks noGrp="1"/>
+          </p:cNvSpPr>
+          <p:nvPr>
+            <p:ph type="title"/>
+          </p:nvPr>
+        </p:nvSpPr>
+        <p:spPr/>
+        <p:txBody>
+          <a:bodyPr/>
+          <a:lstStyle/>
+          <a:p>
+            <a:r>
+              <a:rPr lang="en-US" dirty="0"/>
+              <a:t>Line with simple Pop up</a:t>
+            </a:r>
+          </a:p>
+        </p:txBody>
+      </p:sp>
+      <p:pic>
+        <p:nvPicPr>
+          <p:cNvPr id="6" name="Content Placeholder 5">
+            <a:extLst>
+              <a:ext uri="{FF2B5EF4-FFF2-40B4-BE49-F238E27FC236}">
+                <a16:creationId xmlns:a16="http://schemas.microsoft.com/office/drawing/2014/main" id="{D93D570D-45FF-0D41-8962-8F64BC040F45}"/>
+              </a:ext>
+            </a:extLst>
+          </p:cNvPr>
+          <p:cNvPicPr>
+            <a:picLocks noGrp="1" noChangeAspect="1"/>
+          </p:cNvPicPr>
+          <p:nvPr>
+            <p:ph sz="half" idx="2"/>
+          </p:nvPr>
+        </p:nvPicPr>
+        <p:blipFill>
+          <a:blip r:embed="rId2"/>
+          <a:stretch>
+            <a:fillRect/>
+          </a:stretch>
+        </p:blipFill>
+        <p:spPr>
+          <a:xfrm>
+            <a:off x="1047893" y="3368842"/>
+            <a:ext cx="10248614" cy="857949"/>
+          </a:xfrm>
+        </p:spPr>
+      </p:pic>
+    </p:spTree>
+    <p:extLst>
+      <p:ext uri="{BB962C8B-B14F-4D97-AF65-F5344CB8AC3E}">
+        <p14:creationId xmlns:p14="http://schemas.microsoft.com/office/powerpoint/2010/main" val="2880591055"/>
+      </p:ext>
+    </p:extLst>
+  </p:cSld>
+  <p:clrMapOvr>
+    <a:masterClrMapping/>
+  </p:clrMapOvr>
+</p:sld>
+</file>
+
+<file path=ppt/slides/slide22.xml><?xml version="1.0" encoding="utf-8"?>
+<p:sld xmlns:a="http://schemas.openxmlformats.org/drawingml/2006/main" xmlns:r="http://schemas.openxmlformats.org/officeDocument/2006/relationships" xmlns:p="http://schemas.openxmlformats.org/presentationml/2006/main">
+  <p:cSld>
+    <p:bg>
+      <p:bgPr>
+        <a:solidFill>
+          <a:schemeClr val="bg2"/>
+        </a:solidFill>
+        <a:effectLst/>
+      </p:bgPr>
+    </p:bg>
+    <p:spTree>
+      <p:nvGrpSpPr>
+        <p:cNvPr id="1" name=""/>
+        <p:cNvGrpSpPr/>
+        <p:nvPr/>
+      </p:nvGrpSpPr>
+      <p:grpSpPr>
+        <a:xfrm>
+          <a:off x="0" y="0"/>
+          <a:ext cx="0" cy="0"/>
+          <a:chOff x="0" y="0"/>
+          <a:chExt cx="0" cy="0"/>
+        </a:xfrm>
+      </p:grpSpPr>
+      <p:sp>
+        <p:nvSpPr>
+          <p:cNvPr id="33" name="Rectangle 32">
+            <a:extLst>
+              <a:ext uri="{FF2B5EF4-FFF2-40B4-BE49-F238E27FC236}">
+                <a16:creationId xmlns:a16="http://schemas.microsoft.com/office/drawing/2014/main" id="{2793B903-AB42-42A0-AE97-93D366679CA2}"/>
+              </a:ext>
+              <a:ext uri="{C183D7F6-B498-43B3-948B-1728B52AA6E4}">
+                <adec:decorative xmlns:adec="http://schemas.microsoft.com/office/drawing/2017/decorative" val="1"/>
+              </a:ext>
+            </a:extLst>
+          </p:cNvPr>
+          <p:cNvSpPr>
+            <a:spLocks noGrp="1" noRot="1" noChangeAspect="1" noMove="1" noResize="1" noEditPoints="1" noAdjustHandles="1" noChangeArrowheads="1" noChangeShapeType="1" noTextEdit="1"/>
+          </p:cNvSpPr>
+          <p:nvPr>
+            <p:extLst>
+              <p:ext uri="{386F3935-93C4-4BCD-93E2-E3B085C9AB24}">
+                <p16:designElem xmlns:p16="http://schemas.microsoft.com/office/powerpoint/2015/main" val="1"/>
+              </p:ext>
+            </p:extLst>
+          </p:nvPr>
+        </p:nvSpPr>
+        <p:spPr>
+          <a:xfrm>
+            <a:off x="478095" y="376"/>
+            <a:ext cx="228600" cy="6858000"/>
+          </a:xfrm>
+          <a:prstGeom prst="rect">
+            <a:avLst/>
+          </a:prstGeom>
+          <a:solidFill>
+            <a:schemeClr val="tx2"/>
+          </a:solidFill>
+          <a:ln>
+            <a:noFill/>
+          </a:ln>
+        </p:spPr>
+        <p:style>
+          <a:lnRef idx="2">
+            <a:schemeClr val="accent1">
+              <a:shade val="50000"/>
+            </a:schemeClr>
+          </a:lnRef>
+          <a:fillRef idx="1">
+            <a:schemeClr val="accent1"/>
+          </a:fillRef>
+          <a:effectRef idx="0">
+            <a:schemeClr val="accent1"/>
+          </a:effectRef>
+          <a:fontRef idx="minor">
+            <a:schemeClr val="lt1"/>
+          </a:fontRef>
+        </p:style>
+      </p:sp>
+      <p:sp>
+        <p:nvSpPr>
+          <p:cNvPr id="2" name="Title 1">
+            <a:extLst>
+              <a:ext uri="{FF2B5EF4-FFF2-40B4-BE49-F238E27FC236}">
+                <a16:creationId xmlns:a16="http://schemas.microsoft.com/office/drawing/2014/main" id="{36F4AC19-1E8E-1740-8D54-51C3F521593F}"/>
+              </a:ext>
+            </a:extLst>
+          </p:cNvPr>
+          <p:cNvSpPr>
+            <a:spLocks noGrp="1"/>
+          </p:cNvSpPr>
+          <p:nvPr>
+            <p:ph type="title"/>
+          </p:nvPr>
+        </p:nvSpPr>
+        <p:spPr>
+          <a:xfrm>
+            <a:off x="881744" y="631372"/>
+            <a:ext cx="5350614" cy="5606142"/>
+          </a:xfrm>
+        </p:spPr>
+        <p:txBody>
+          <a:bodyPr vert="horz" lIns="91440" tIns="45720" rIns="91440" bIns="45720" rtlCol="0" anchor="t">
+            <a:normAutofit/>
+          </a:bodyPr>
+          <a:lstStyle/>
+          <a:p>
+            <a:r>
+              <a:rPr lang="en-US" cap="all" dirty="0"/>
+              <a:t>Shape Popup with Colors</a:t>
+            </a:r>
+          </a:p>
+        </p:txBody>
+      </p:sp>
+      <p:sp>
+        <p:nvSpPr>
+          <p:cNvPr id="35" name="Rectangle 34">
+            <a:extLst>
+              <a:ext uri="{FF2B5EF4-FFF2-40B4-BE49-F238E27FC236}">
+                <a16:creationId xmlns:a16="http://schemas.microsoft.com/office/drawing/2014/main" id="{597649B1-EA54-4416-AAFC-FF408060C306}"/>
+              </a:ext>
+              <a:ext uri="{C183D7F6-B498-43B3-948B-1728B52AA6E4}">
+                <adec:decorative xmlns:adec="http://schemas.microsoft.com/office/drawing/2017/decorative" val="1"/>
+              </a:ext>
+            </a:extLst>
+          </p:cNvPr>
+          <p:cNvSpPr>
+            <a:spLocks noGrp="1" noRot="1" noChangeAspect="1" noMove="1" noResize="1" noEditPoints="1" noAdjustHandles="1" noChangeArrowheads="1" noChangeShapeType="1" noTextEdit="1"/>
+          </p:cNvSpPr>
+          <p:nvPr>
+            <p:extLst>
+              <p:ext uri="{386F3935-93C4-4BCD-93E2-E3B085C9AB24}">
+                <p16:designElem xmlns:p16="http://schemas.microsoft.com/office/powerpoint/2015/main" val="1"/>
+              </p:ext>
+            </p:extLst>
+          </p:nvPr>
+        </p:nvSpPr>
+        <p:spPr>
+          <a:xfrm>
+            <a:off x="478095" y="376"/>
+            <a:ext cx="228600" cy="6858000"/>
+          </a:xfrm>
+          <a:prstGeom prst="rect">
+            <a:avLst/>
+          </a:prstGeom>
+          <a:solidFill>
+            <a:schemeClr val="tx2"/>
+          </a:solidFill>
+          <a:ln>
+            <a:noFill/>
+          </a:ln>
+        </p:spPr>
+        <p:style>
+          <a:lnRef idx="2">
+            <a:schemeClr val="accent1">
+              <a:shade val="50000"/>
+            </a:schemeClr>
+          </a:lnRef>
+          <a:fillRef idx="1">
+            <a:schemeClr val="accent1"/>
+          </a:fillRef>
+          <a:effectRef idx="0">
+            <a:schemeClr val="accent1"/>
+          </a:effectRef>
+          <a:fontRef idx="minor">
+            <a:schemeClr val="lt1"/>
+          </a:fontRef>
+        </p:style>
+      </p:sp>
+      <p:pic>
+        <p:nvPicPr>
+          <p:cNvPr id="28" name="Content Placeholder 6">
+            <a:extLst>
+              <a:ext uri="{FF2B5EF4-FFF2-40B4-BE49-F238E27FC236}">
+                <a16:creationId xmlns:a16="http://schemas.microsoft.com/office/drawing/2014/main" id="{CAD32209-FB38-7D49-ACC0-4B623704E2F8}"/>
+              </a:ext>
+            </a:extLst>
+          </p:cNvPr>
+          <p:cNvPicPr>
+            <a:picLocks noChangeAspect="1"/>
+          </p:cNvPicPr>
+          <p:nvPr/>
+        </p:nvPicPr>
+        <p:blipFill>
+          <a:blip r:embed="rId2"/>
+          <a:stretch>
+            <a:fillRect/>
+          </a:stretch>
+        </p:blipFill>
+        <p:spPr>
+          <a:xfrm>
+            <a:off x="719762" y="2980252"/>
+            <a:ext cx="11263691" cy="1964727"/>
+          </a:xfrm>
+          <a:prstGeom prst="rect">
+            <a:avLst/>
+          </a:prstGeom>
+        </p:spPr>
+      </p:pic>
+    </p:spTree>
+    <p:extLst>
+      <p:ext uri="{BB962C8B-B14F-4D97-AF65-F5344CB8AC3E}">
+        <p14:creationId xmlns:p14="http://schemas.microsoft.com/office/powerpoint/2010/main" val="3378081381"/>
+      </p:ext>
+    </p:extLst>
+  </p:cSld>
+  <p:clrMapOvr>
+    <a:masterClrMapping/>
+  </p:clrMapOvr>
+</p:sld>
+</file>
+
+<file path=ppt/slides/slide23.xml><?xml version="1.0" encoding="utf-8"?>
+<p:sld xmlns:a="http://schemas.openxmlformats.org/drawingml/2006/main" xmlns:r="http://schemas.openxmlformats.org/officeDocument/2006/relationships" xmlns:p="http://schemas.openxmlformats.org/presentationml/2006/main">
+  <p:cSld>
+    <p:spTree>
+      <p:nvGrpSpPr>
+        <p:cNvPr id="1" name=""/>
+        <p:cNvGrpSpPr/>
+        <p:nvPr/>
+      </p:nvGrpSpPr>
+      <p:grpSpPr>
+        <a:xfrm>
+          <a:off x="0" y="0"/>
+          <a:ext cx="0" cy="0"/>
+          <a:chOff x="0" y="0"/>
+          <a:chExt cx="0" cy="0"/>
+        </a:xfrm>
+      </p:grpSpPr>
+      <p:sp>
+        <p:nvSpPr>
+          <p:cNvPr id="2" name="Title 1">
+            <a:extLst>
+              <a:ext uri="{FF2B5EF4-FFF2-40B4-BE49-F238E27FC236}">
+                <a16:creationId xmlns:a16="http://schemas.microsoft.com/office/drawing/2014/main" id="{BFFF2241-68D5-2346-8306-6993CD9518AE}"/>
+              </a:ext>
+            </a:extLst>
+          </p:cNvPr>
+          <p:cNvSpPr>
+            <a:spLocks noGrp="1"/>
+          </p:cNvSpPr>
+          <p:nvPr>
+            <p:ph type="title"/>
+          </p:nvPr>
+        </p:nvSpPr>
+        <p:spPr/>
+        <p:txBody>
+          <a:bodyPr/>
+          <a:lstStyle/>
+          <a:p>
+            <a:r>
+              <a:rPr lang="en-US" dirty="0"/>
+              <a:t>Legends</a:t>
+            </a:r>
+          </a:p>
+        </p:txBody>
+      </p:sp>
+      <p:sp>
+        <p:nvSpPr>
+          <p:cNvPr id="3" name="Content Placeholder 2">
+            <a:extLst>
+              <a:ext uri="{FF2B5EF4-FFF2-40B4-BE49-F238E27FC236}">
+                <a16:creationId xmlns:a16="http://schemas.microsoft.com/office/drawing/2014/main" id="{23BCC1E3-9214-EB46-A392-E1AC4F2DEAC9}"/>
+              </a:ext>
+            </a:extLst>
+          </p:cNvPr>
+          <p:cNvSpPr>
+            <a:spLocks noGrp="1"/>
+          </p:cNvSpPr>
+          <p:nvPr>
+            <p:ph sz="half" idx="1"/>
+          </p:nvPr>
+        </p:nvSpPr>
+        <p:spPr/>
+        <p:txBody>
+          <a:bodyPr>
+            <a:normAutofit lnSpcReduction="10000"/>
+          </a:bodyPr>
+          <a:lstStyle/>
+          <a:p>
+            <a:r>
+              <a:rPr lang="en-US" dirty="0"/>
+              <a:t>position (character argument, </a:t>
+            </a:r>
+            <a:r>
+              <a:rPr lang="en-US" dirty="0" err="1"/>
+              <a:t>ie</a:t>
+            </a:r>
+            <a:r>
+              <a:rPr lang="en-US" dirty="0"/>
+              <a:t>: “</a:t>
+            </a:r>
+            <a:r>
+              <a:rPr lang="en-US" dirty="0" err="1"/>
+              <a:t>bottomright</a:t>
+            </a:r>
+            <a:r>
+              <a:rPr lang="en-US" dirty="0"/>
+              <a:t>”, “</a:t>
+            </a:r>
+            <a:r>
+              <a:rPr lang="en-US" dirty="0" err="1"/>
+              <a:t>topleft</a:t>
+            </a:r>
+            <a:r>
+              <a:rPr lang="en-US" dirty="0"/>
+              <a:t>”)</a:t>
+            </a:r>
+          </a:p>
+          <a:p>
+            <a:r>
+              <a:rPr lang="en-US" dirty="0"/>
+              <a:t>pal (palette you made or from </a:t>
+            </a:r>
+            <a:r>
+              <a:rPr lang="en-US" dirty="0" err="1"/>
+              <a:t>colorBrewer</a:t>
+            </a:r>
+            <a:r>
+              <a:rPr lang="en-US" dirty="0"/>
+              <a:t>)</a:t>
+            </a:r>
+          </a:p>
+          <a:p>
+            <a:r>
+              <a:rPr lang="en-US" dirty="0"/>
+              <a:t>values (domain from data element)</a:t>
+            </a:r>
+          </a:p>
+          <a:p>
+            <a:r>
+              <a:rPr lang="en-US" dirty="0" err="1"/>
+              <a:t>na.label</a:t>
+            </a:r>
+            <a:r>
+              <a:rPr lang="en-US" dirty="0"/>
+              <a:t> (character, default “NA”)</a:t>
+            </a:r>
+          </a:p>
+          <a:p>
+            <a:r>
+              <a:rPr lang="en-US" dirty="0"/>
+              <a:t>bins (buckets)</a:t>
+            </a:r>
+          </a:p>
+          <a:p>
+            <a:r>
+              <a:rPr lang="en-US" dirty="0"/>
+              <a:t>colors</a:t>
+            </a:r>
+          </a:p>
+        </p:txBody>
+      </p:sp>
+      <p:sp>
+        <p:nvSpPr>
+          <p:cNvPr id="4" name="Content Placeholder 3">
+            <a:extLst>
+              <a:ext uri="{FF2B5EF4-FFF2-40B4-BE49-F238E27FC236}">
+                <a16:creationId xmlns:a16="http://schemas.microsoft.com/office/drawing/2014/main" id="{C7223506-EF88-1049-869E-F596AFE1F94F}"/>
+              </a:ext>
+            </a:extLst>
+          </p:cNvPr>
+          <p:cNvSpPr>
+            <a:spLocks noGrp="1"/>
+          </p:cNvSpPr>
+          <p:nvPr>
+            <p:ph sz="half" idx="2"/>
+          </p:nvPr>
+        </p:nvSpPr>
+        <p:spPr/>
+        <p:txBody>
+          <a:bodyPr>
+            <a:normAutofit lnSpcReduction="10000"/>
+          </a:bodyPr>
+          <a:lstStyle/>
+          <a:p>
+            <a:r>
+              <a:rPr lang="en-US" dirty="0" err="1"/>
+              <a:t>labFormat</a:t>
+            </a:r>
+            <a:r>
+              <a:rPr lang="en-US" dirty="0"/>
+              <a:t>  (</a:t>
+            </a:r>
+            <a:r>
+              <a:rPr lang="en-US" dirty="0" err="1"/>
+              <a:t>labelFormat</a:t>
+            </a:r>
+            <a:r>
+              <a:rPr lang="en-US" dirty="0"/>
+              <a:t>() options)</a:t>
+            </a:r>
+          </a:p>
+          <a:p>
+            <a:r>
+              <a:rPr lang="en-US" dirty="0"/>
+              <a:t>title</a:t>
+            </a:r>
+          </a:p>
+          <a:p>
+            <a:r>
+              <a:rPr lang="en-US" dirty="0" err="1"/>
+              <a:t>className</a:t>
+            </a:r>
+            <a:r>
+              <a:rPr lang="en-US" dirty="0"/>
+              <a:t> (for custom CSS)</a:t>
+            </a:r>
+          </a:p>
+          <a:p>
+            <a:r>
+              <a:rPr lang="en-US" dirty="0" err="1"/>
+              <a:t>layerId</a:t>
+            </a:r>
+            <a:r>
+              <a:rPr lang="en-US" dirty="0"/>
+              <a:t> (for input use)</a:t>
+            </a:r>
+          </a:p>
+          <a:p>
+            <a:r>
+              <a:rPr lang="en-US" dirty="0"/>
+              <a:t>group (for </a:t>
+            </a:r>
+            <a:r>
+              <a:rPr lang="en-US" dirty="0" err="1"/>
+              <a:t>layerControls</a:t>
+            </a:r>
+            <a:r>
+              <a:rPr lang="en-US" dirty="0"/>
+              <a:t>)</a:t>
+            </a:r>
+          </a:p>
+          <a:p>
+            <a:r>
+              <a:rPr lang="en-US" dirty="0"/>
+              <a:t>digits (numeric values in labels)</a:t>
+            </a:r>
+          </a:p>
+          <a:p>
+            <a:r>
+              <a:rPr lang="en-US" dirty="0" err="1"/>
+              <a:t>big.mark</a:t>
+            </a:r>
+            <a:r>
+              <a:rPr lang="en-US" dirty="0"/>
+              <a:t> (thousands </a:t>
+            </a:r>
+            <a:r>
+              <a:rPr lang="en-US" dirty="0" err="1"/>
+              <a:t>seperator</a:t>
+            </a:r>
+            <a:r>
+              <a:rPr lang="en-US" dirty="0"/>
+              <a:t>)</a:t>
+            </a:r>
+          </a:p>
+          <a:p>
+            <a:r>
+              <a:rPr lang="en-US" dirty="0"/>
+              <a:t>transform (function to change labels)</a:t>
+            </a:r>
+          </a:p>
+        </p:txBody>
+      </p:sp>
+    </p:spTree>
+    <p:extLst>
+      <p:ext uri="{BB962C8B-B14F-4D97-AF65-F5344CB8AC3E}">
+        <p14:creationId xmlns:p14="http://schemas.microsoft.com/office/powerpoint/2010/main" val="2397100410"/>
+      </p:ext>
+    </p:extLst>
+  </p:cSld>
+  <p:clrMapOvr>
+    <a:masterClrMapping/>
+  </p:clrMapOvr>
+</p:sld>
+</file>
+
+<file path=ppt/slides/slide24.xml><?xml version="1.0" encoding="utf-8"?>
+<p:sld xmlns:a="http://schemas.openxmlformats.org/drawingml/2006/main" xmlns:r="http://schemas.openxmlformats.org/officeDocument/2006/relationships" xmlns:p="http://schemas.openxmlformats.org/presentationml/2006/main">
+  <p:cSld>
+    <p:spTree>
+      <p:nvGrpSpPr>
+        <p:cNvPr id="1" name=""/>
+        <p:cNvGrpSpPr/>
+        <p:nvPr/>
+      </p:nvGrpSpPr>
+      <p:grpSpPr>
+        <a:xfrm>
+          <a:off x="0" y="0"/>
+          <a:ext cx="0" cy="0"/>
+          <a:chOff x="0" y="0"/>
+          <a:chExt cx="0" cy="0"/>
+        </a:xfrm>
+      </p:grpSpPr>
+      <p:sp>
+        <p:nvSpPr>
+          <p:cNvPr id="2" name="Title 1">
+            <a:extLst>
+              <a:ext uri="{FF2B5EF4-FFF2-40B4-BE49-F238E27FC236}">
+                <a16:creationId xmlns:a16="http://schemas.microsoft.com/office/drawing/2014/main" id="{36F4AC19-1E8E-1740-8D54-51C3F521593F}"/>
+              </a:ext>
+            </a:extLst>
+          </p:cNvPr>
+          <p:cNvSpPr>
+            <a:spLocks noGrp="1"/>
+          </p:cNvSpPr>
+          <p:nvPr>
+            <p:ph type="title"/>
+          </p:nvPr>
+        </p:nvSpPr>
+        <p:spPr/>
+        <p:txBody>
+          <a:bodyPr/>
+          <a:lstStyle/>
+          <a:p>
+            <a:r>
+              <a:rPr lang="en-US" dirty="0"/>
+              <a:t>Circle Markers with custom palette</a:t>
+            </a:r>
+          </a:p>
+        </p:txBody>
+      </p:sp>
+      <p:pic>
+        <p:nvPicPr>
+          <p:cNvPr id="7" name="Content Placeholder 6">
+            <a:extLst>
+              <a:ext uri="{FF2B5EF4-FFF2-40B4-BE49-F238E27FC236}">
+                <a16:creationId xmlns:a16="http://schemas.microsoft.com/office/drawing/2014/main" id="{D1BCB999-14CA-944E-B42C-6280EC67EB8E}"/>
+              </a:ext>
+            </a:extLst>
+          </p:cNvPr>
+          <p:cNvPicPr>
+            <a:picLocks noGrp="1" noChangeAspect="1"/>
+          </p:cNvPicPr>
+          <p:nvPr>
+            <p:ph idx="1"/>
+          </p:nvPr>
+        </p:nvPicPr>
+        <p:blipFill>
+          <a:blip r:embed="rId2"/>
+          <a:stretch>
+            <a:fillRect/>
+          </a:stretch>
+        </p:blipFill>
+        <p:spPr>
+          <a:xfrm>
+            <a:off x="892570" y="2844800"/>
+            <a:ext cx="11036200" cy="1943100"/>
+          </a:xfrm>
+        </p:spPr>
+      </p:pic>
+    </p:spTree>
+    <p:extLst>
+      <p:ext uri="{BB962C8B-B14F-4D97-AF65-F5344CB8AC3E}">
+        <p14:creationId xmlns:p14="http://schemas.microsoft.com/office/powerpoint/2010/main" val="3719428717"/>
+      </p:ext>
+    </p:extLst>
+  </p:cSld>
+  <p:clrMapOvr>
+    <a:masterClrMapping/>
+  </p:clrMapOvr>
+</p:sld>
+</file>
+
+<file path=ppt/slides/slide25.xml><?xml version="1.0" encoding="utf-8"?>
+<p:sld xmlns:a="http://schemas.openxmlformats.org/drawingml/2006/main" xmlns:r="http://schemas.openxmlformats.org/officeDocument/2006/relationships" xmlns:p="http://schemas.openxmlformats.org/presentationml/2006/main">
+  <p:cSld>
+    <p:spTree>
+      <p:nvGrpSpPr>
+        <p:cNvPr id="1" name=""/>
+        <p:cNvGrpSpPr/>
+        <p:nvPr/>
+      </p:nvGrpSpPr>
+      <p:grpSpPr>
+        <a:xfrm>
+          <a:off x="0" y="0"/>
+          <a:ext cx="0" cy="0"/>
+          <a:chOff x="0" y="0"/>
+          <a:chExt cx="0" cy="0"/>
+        </a:xfrm>
+      </p:grpSpPr>
+      <p:sp>
+        <p:nvSpPr>
+          <p:cNvPr id="2" name="Title 1">
+            <a:extLst>
+              <a:ext uri="{FF2B5EF4-FFF2-40B4-BE49-F238E27FC236}">
+                <a16:creationId xmlns:a16="http://schemas.microsoft.com/office/drawing/2014/main" id="{36F4AC19-1E8E-1740-8D54-51C3F521593F}"/>
+              </a:ext>
+            </a:extLst>
+          </p:cNvPr>
+          <p:cNvSpPr>
+            <a:spLocks noGrp="1"/>
+          </p:cNvSpPr>
+          <p:nvPr>
+            <p:ph type="title"/>
+          </p:nvPr>
+        </p:nvSpPr>
+        <p:spPr/>
+        <p:txBody>
+          <a:bodyPr/>
+          <a:lstStyle/>
+          <a:p>
+            <a:r>
+              <a:rPr lang="en-US" dirty="0"/>
+              <a:t>Custom awesome markers</a:t>
+            </a:r>
+          </a:p>
+        </p:txBody>
+      </p:sp>
+      <p:pic>
+        <p:nvPicPr>
+          <p:cNvPr id="7" name="Content Placeholder 6">
+            <a:extLst>
+              <a:ext uri="{FF2B5EF4-FFF2-40B4-BE49-F238E27FC236}">
+                <a16:creationId xmlns:a16="http://schemas.microsoft.com/office/drawing/2014/main" id="{D1BCB999-14CA-944E-B42C-6280EC67EB8E}"/>
+              </a:ext>
+            </a:extLst>
+          </p:cNvPr>
+          <p:cNvPicPr>
+            <a:picLocks noGrp="1" noChangeAspect="1"/>
+          </p:cNvPicPr>
+          <p:nvPr>
+            <p:ph idx="1"/>
+          </p:nvPr>
+        </p:nvPicPr>
+        <p:blipFill>
+          <a:blip r:embed="rId2"/>
+          <a:stretch>
+            <a:fillRect/>
+          </a:stretch>
+        </p:blipFill>
+        <p:spPr>
+          <a:xfrm>
+            <a:off x="952813" y="2719137"/>
+            <a:ext cx="10879379" cy="2201779"/>
+          </a:xfrm>
+        </p:spPr>
+      </p:pic>
+    </p:spTree>
+    <p:extLst>
+      <p:ext uri="{BB962C8B-B14F-4D97-AF65-F5344CB8AC3E}">
+        <p14:creationId xmlns:p14="http://schemas.microsoft.com/office/powerpoint/2010/main" val="2329673855"/>
+      </p:ext>
+    </p:extLst>
+  </p:cSld>
+  <p:clrMapOvr>
+    <a:masterClrMapping/>
+  </p:clrMapOvr>
+</p:sld>
+</file>
+
+<file path=ppt/slides/slide26.xml><?xml version="1.0" encoding="utf-8"?>
+<p:sld xmlns:a="http://schemas.openxmlformats.org/drawingml/2006/main" xmlns:r="http://schemas.openxmlformats.org/officeDocument/2006/relationships" xmlns:p="http://schemas.openxmlformats.org/presentationml/2006/main">
+  <p:cSld>
+    <p:spTree>
+      <p:nvGrpSpPr>
+        <p:cNvPr id="1" name=""/>
+        <p:cNvGrpSpPr/>
+        <p:nvPr/>
+      </p:nvGrpSpPr>
+      <p:grpSpPr>
+        <a:xfrm>
+          <a:off x="0" y="0"/>
+          <a:ext cx="0" cy="0"/>
+          <a:chOff x="0" y="0"/>
+          <a:chExt cx="0" cy="0"/>
+        </a:xfrm>
+      </p:grpSpPr>
+      <p:sp>
+        <p:nvSpPr>
+          <p:cNvPr id="2" name="Title 1">
+            <a:extLst>
+              <a:ext uri="{FF2B5EF4-FFF2-40B4-BE49-F238E27FC236}">
+                <a16:creationId xmlns:a16="http://schemas.microsoft.com/office/drawing/2014/main" id="{36F4AC19-1E8E-1740-8D54-51C3F521593F}"/>
+              </a:ext>
+            </a:extLst>
+          </p:cNvPr>
+          <p:cNvSpPr>
+            <a:spLocks noGrp="1"/>
+          </p:cNvSpPr>
+          <p:nvPr>
+            <p:ph type="title"/>
+          </p:nvPr>
+        </p:nvSpPr>
+        <p:spPr/>
+        <p:txBody>
+          <a:bodyPr/>
+          <a:lstStyle/>
+          <a:p>
+            <a:r>
+              <a:rPr lang="en-US" dirty="0"/>
+              <a:t>Heatmap (</a:t>
+            </a:r>
+            <a:r>
+              <a:rPr lang="en-US" dirty="0" err="1"/>
+              <a:t>leaflet.extras</a:t>
+            </a:r>
+            <a:r>
+              <a:rPr lang="en-US" dirty="0"/>
+              <a:t>)</a:t>
+            </a:r>
+          </a:p>
+        </p:txBody>
+      </p:sp>
+      <p:pic>
+        <p:nvPicPr>
+          <p:cNvPr id="7" name="Content Placeholder 6">
+            <a:extLst>
+              <a:ext uri="{FF2B5EF4-FFF2-40B4-BE49-F238E27FC236}">
+                <a16:creationId xmlns:a16="http://schemas.microsoft.com/office/drawing/2014/main" id="{D1BCB999-14CA-944E-B42C-6280EC67EB8E}"/>
+              </a:ext>
+            </a:extLst>
+          </p:cNvPr>
+          <p:cNvPicPr>
+            <a:picLocks noGrp="1" noChangeAspect="1"/>
+          </p:cNvPicPr>
+          <p:nvPr>
+            <p:ph idx="1"/>
+          </p:nvPr>
+        </p:nvPicPr>
+        <p:blipFill>
+          <a:blip r:embed="rId2"/>
+          <a:stretch>
+            <a:fillRect/>
+          </a:stretch>
+        </p:blipFill>
+        <p:spPr>
+          <a:xfrm>
+            <a:off x="2201779" y="3559255"/>
+            <a:ext cx="6990347" cy="1175554"/>
+          </a:xfrm>
+        </p:spPr>
+      </p:pic>
+    </p:spTree>
+    <p:extLst>
+      <p:ext uri="{BB962C8B-B14F-4D97-AF65-F5344CB8AC3E}">
+        <p14:creationId xmlns:p14="http://schemas.microsoft.com/office/powerpoint/2010/main" val="640383832"/>
+      </p:ext>
+    </p:extLst>
+  </p:cSld>
+  <p:clrMapOvr>
+    <a:masterClrMapping/>
+  </p:clrMapOvr>
+</p:sld>
+</file>
+
+<file path=ppt/slides/slide3.xml><?xml version="1.0" encoding="utf-8"?>
+<p:sld xmlns:a="http://schemas.openxmlformats.org/drawingml/2006/main" xmlns:r="http://schemas.openxmlformats.org/officeDocument/2006/relationships" xmlns:p="http://schemas.openxmlformats.org/presentationml/2006/main">
+  <p:cSld>
+    <p:bg>
+      <p:bgPr>
+        <a:solidFill>
+          <a:schemeClr val="bg2"/>
+        </a:solidFill>
+        <a:effectLst/>
+      </p:bgPr>
+    </p:bg>
+    <p:spTree>
+      <p:nvGrpSpPr>
+        <p:cNvPr id="1" name=""/>
+        <p:cNvGrpSpPr/>
+        <p:nvPr/>
+      </p:nvGrpSpPr>
+      <p:grpSpPr>
+        <a:xfrm>
+          <a:off x="0" y="0"/>
+          <a:ext cx="0" cy="0"/>
+          <a:chOff x="0" y="0"/>
+          <a:chExt cx="0" cy="0"/>
+        </a:xfrm>
+      </p:grpSpPr>
+      <p:sp>
+        <p:nvSpPr>
+          <p:cNvPr id="2" name="Title 1">
+            <a:extLst>
+              <a:ext uri="{FF2B5EF4-FFF2-40B4-BE49-F238E27FC236}">
+                <a16:creationId xmlns:a16="http://schemas.microsoft.com/office/drawing/2014/main" id="{47F8365D-40D3-FA4D-83F0-2591E98C3CF2}"/>
+              </a:ext>
+            </a:extLst>
+          </p:cNvPr>
+          <p:cNvSpPr>
+            <a:spLocks noGrp="1"/>
+          </p:cNvSpPr>
+          <p:nvPr>
+            <p:ph type="title"/>
+          </p:nvPr>
+        </p:nvSpPr>
+        <p:spPr>
+          <a:xfrm>
+            <a:off x="1371600" y="685800"/>
+            <a:ext cx="9601200" cy="1485900"/>
+          </a:xfrm>
+        </p:spPr>
+        <p:txBody>
+          <a:bodyPr>
+            <a:normAutofit/>
+          </a:bodyPr>
+          <a:lstStyle/>
+          <a:p>
+            <a:r>
+              <a:rPr lang="en-US"/>
+              <a:t>Project 1</a:t>
+            </a:r>
+            <a:endParaRPr lang="en-US" dirty="0"/>
+          </a:p>
+        </p:txBody>
+      </p:sp>
+      <p:graphicFrame>
+        <p:nvGraphicFramePr>
+          <p:cNvPr id="9" name="Content Placeholder 8">
+            <a:extLst>
+              <a:ext uri="{FF2B5EF4-FFF2-40B4-BE49-F238E27FC236}">
+                <a16:creationId xmlns:a16="http://schemas.microsoft.com/office/drawing/2014/main" id="{E8E7CD97-ED5C-3A4E-A862-4867A9401AAE}"/>
+              </a:ext>
+            </a:extLst>
+          </p:cNvPr>
+          <p:cNvGraphicFramePr>
+            <a:graphicFrameLocks noGrp="1"/>
+          </p:cNvGraphicFramePr>
+          <p:nvPr>
+            <p:ph idx="1"/>
+            <p:extLst>
+              <p:ext uri="{D42A27DB-BD31-4B8C-83A1-F6EECF244321}">
+                <p14:modId xmlns:p14="http://schemas.microsoft.com/office/powerpoint/2010/main" val="541274548"/>
+              </p:ext>
+            </p:extLst>
+          </p:nvPr>
+        </p:nvGraphicFramePr>
+        <p:xfrm>
+          <a:off x="4147859" y="3132153"/>
+          <a:ext cx="4048682" cy="1889094"/>
+        </p:xfrm>
+        <a:graphic>
+          <a:graphicData uri="http://schemas.openxmlformats.org/drawingml/2006/table">
+            <a:tbl>
+              <a:tblPr/>
+              <a:tblGrid>
+                <a:gridCol w="1659812">
+                  <a:extLst>
+                    <a:ext uri="{9D8B030D-6E8A-4147-A177-3AD203B41FA5}">
+                      <a16:colId xmlns:a16="http://schemas.microsoft.com/office/drawing/2014/main" val="211139909"/>
+                    </a:ext>
+                  </a:extLst>
+                </a:gridCol>
+                <a:gridCol w="2388870">
+                  <a:extLst>
+                    <a:ext uri="{9D8B030D-6E8A-4147-A177-3AD203B41FA5}">
+                      <a16:colId xmlns:a16="http://schemas.microsoft.com/office/drawing/2014/main" val="4048221621"/>
+                    </a:ext>
+                  </a:extLst>
+                </a:gridCol>
+              </a:tblGrid>
+              <a:tr h="629698">
+                <a:tc>
+                  <a:txBody>
+                    <a:bodyPr/>
+                    <a:lstStyle/>
+                    <a:p>
+                      <a:pPr algn="l" fontAlgn="b">
+                        <a:spcBef>
+                          <a:spcPts val="0"/>
+                        </a:spcBef>
+                        <a:spcAft>
+                          <a:spcPts val="0"/>
+                        </a:spcAft>
+                      </a:pPr>
+                      <a:r>
+                        <a:rPr lang="en-US" sz="3300" b="0" i="0" u="none" strike="noStrike">
+                          <a:solidFill>
+                            <a:srgbClr val="000000"/>
+                          </a:solidFill>
+                          <a:effectLst/>
+                          <a:latin typeface="Calibri" panose="020F0502020204030204" pitchFamily="34" charset="0"/>
+                        </a:rPr>
+                        <a:t>Mean</a:t>
+                      </a:r>
+                      <a:endParaRPr lang="en-US" sz="5000" b="0" i="0" u="none" strike="noStrike">
+                        <a:effectLst/>
+                        <a:latin typeface="Arial" panose="020B0604020202020204" pitchFamily="34" charset="0"/>
+                      </a:endParaRPr>
+                    </a:p>
+                  </a:txBody>
+                  <a:tcPr marL="26194" marR="26194" marT="26194" marB="0" anchor="b">
+                    <a:lnL w="6350" cap="flat" cmpd="sng" algn="ctr">
+                      <a:solidFill>
+                        <a:srgbClr val="000000"/>
+                      </a:solidFill>
+                      <a:prstDash val="solid"/>
+                      <a:round/>
+                      <a:headEnd type="none" w="med" len="med"/>
+                      <a:tailEnd type="none" w="med" len="med"/>
+                    </a:lnL>
+                    <a:lnR w="6350" cap="flat" cmpd="sng" algn="ctr">
+                      <a:solidFill>
+                        <a:srgbClr val="000000"/>
+                      </a:solidFill>
+                      <a:prstDash val="solid"/>
+                      <a:round/>
+                      <a:headEnd type="none" w="med" len="med"/>
+                      <a:tailEnd type="none" w="med" len="med"/>
+                    </a:lnR>
+                    <a:lnT w="6350" cap="flat" cmpd="sng" algn="ctr">
+                      <a:solidFill>
+                        <a:srgbClr val="000000"/>
+                      </a:solidFill>
+                      <a:prstDash val="solid"/>
+                      <a:round/>
+                      <a:headEnd type="none" w="med" len="med"/>
+                      <a:tailEnd type="none" w="med" len="med"/>
+                    </a:lnT>
+                    <a:lnB w="6350" cap="flat" cmpd="sng" algn="ctr">
+                      <a:solidFill>
+                        <a:srgbClr val="000000"/>
+                      </a:solidFill>
+                      <a:prstDash val="solid"/>
+                      <a:round/>
+                      <a:headEnd type="none" w="med" len="med"/>
+                      <a:tailEnd type="none" w="med" len="med"/>
+                    </a:lnB>
+                    <a:solidFill>
+                      <a:srgbClr val="8EA9DB"/>
+                    </a:solidFill>
+                  </a:tcPr>
+                </a:tc>
+                <a:tc>
+                  <a:txBody>
+                    <a:bodyPr/>
+                    <a:lstStyle/>
+                    <a:p>
+                      <a:pPr algn="r" fontAlgn="b">
+                        <a:spcBef>
+                          <a:spcPts val="0"/>
+                        </a:spcBef>
+                        <a:spcAft>
+                          <a:spcPts val="0"/>
+                        </a:spcAft>
+                      </a:pPr>
+                      <a:r>
+                        <a:rPr lang="en-US" sz="3300" b="0" i="0" u="none" strike="noStrike">
+                          <a:solidFill>
+                            <a:srgbClr val="000000"/>
+                          </a:solidFill>
+                          <a:effectLst/>
+                          <a:latin typeface="Calibri" panose="020F0502020204030204" pitchFamily="34" charset="0"/>
+                        </a:rPr>
+                        <a:t>92.6555556</a:t>
+                      </a:r>
+                      <a:endParaRPr lang="en-US" sz="5000" b="0" i="0" u="none" strike="noStrike">
+                        <a:effectLst/>
+                        <a:latin typeface="Arial" panose="020B0604020202020204" pitchFamily="34" charset="0"/>
+                      </a:endParaRPr>
+                    </a:p>
+                  </a:txBody>
+                  <a:tcPr marL="26194" marR="26194" marT="26194" marB="0" anchor="b">
+                    <a:lnL w="6350" cap="flat" cmpd="sng" algn="ctr">
+                      <a:solidFill>
+                        <a:srgbClr val="000000"/>
+                      </a:solidFill>
+                      <a:prstDash val="solid"/>
+                      <a:round/>
+                      <a:headEnd type="none" w="med" len="med"/>
+                      <a:tailEnd type="none" w="med" len="med"/>
+                    </a:lnL>
+                    <a:lnR w="6350" cap="flat" cmpd="sng" algn="ctr">
+                      <a:solidFill>
+                        <a:srgbClr val="000000"/>
+                      </a:solidFill>
+                      <a:prstDash val="solid"/>
+                      <a:round/>
+                      <a:headEnd type="none" w="med" len="med"/>
+                      <a:tailEnd type="none" w="med" len="med"/>
+                    </a:lnR>
+                    <a:lnT w="6350" cap="flat" cmpd="sng" algn="ctr">
+                      <a:solidFill>
+                        <a:srgbClr val="000000"/>
+                      </a:solidFill>
+                      <a:prstDash val="solid"/>
+                      <a:round/>
+                      <a:headEnd type="none" w="med" len="med"/>
+                      <a:tailEnd type="none" w="med" len="med"/>
+                    </a:lnT>
+                    <a:lnB w="6350" cap="flat" cmpd="sng" algn="ctr">
+                      <a:solidFill>
+                        <a:srgbClr val="000000"/>
+                      </a:solidFill>
+                      <a:prstDash val="solid"/>
+                      <a:round/>
+                      <a:headEnd type="none" w="med" len="med"/>
+                      <a:tailEnd type="none" w="med" len="med"/>
+                    </a:lnB>
+                    <a:solidFill>
+                      <a:srgbClr val="F8CBAD"/>
+                    </a:solidFill>
+                  </a:tcPr>
+                </a:tc>
+                <a:extLst>
+                  <a:ext uri="{0D108BD9-81ED-4DB2-BD59-A6C34878D82A}">
+                    <a16:rowId xmlns:a16="http://schemas.microsoft.com/office/drawing/2014/main" val="511563420"/>
+                  </a:ext>
+                </a:extLst>
+              </a:tr>
+              <a:tr h="629698">
+                <a:tc>
+                  <a:txBody>
+                    <a:bodyPr/>
+                    <a:lstStyle/>
+                    <a:p>
+                      <a:pPr algn="l" fontAlgn="b">
+                        <a:spcBef>
+                          <a:spcPts val="0"/>
+                        </a:spcBef>
+                        <a:spcAft>
+                          <a:spcPts val="0"/>
+                        </a:spcAft>
+                      </a:pPr>
+                      <a:r>
+                        <a:rPr lang="en-US" sz="3300" b="0" i="0" u="none" strike="noStrike">
+                          <a:solidFill>
+                            <a:srgbClr val="000000"/>
+                          </a:solidFill>
+                          <a:effectLst/>
+                          <a:latin typeface="Calibri" panose="020F0502020204030204" pitchFamily="34" charset="0"/>
+                        </a:rPr>
+                        <a:t>Median</a:t>
+                      </a:r>
+                      <a:endParaRPr lang="en-US" sz="5000" b="0" i="0" u="none" strike="noStrike">
+                        <a:effectLst/>
+                        <a:latin typeface="Arial" panose="020B0604020202020204" pitchFamily="34" charset="0"/>
+                      </a:endParaRPr>
+                    </a:p>
+                  </a:txBody>
+                  <a:tcPr marL="26194" marR="26194" marT="26194" marB="0" anchor="b">
+                    <a:lnL w="6350" cap="flat" cmpd="sng" algn="ctr">
+                      <a:solidFill>
+                        <a:srgbClr val="000000"/>
+                      </a:solidFill>
+                      <a:prstDash val="solid"/>
+                      <a:round/>
+                      <a:headEnd type="none" w="med" len="med"/>
+                      <a:tailEnd type="none" w="med" len="med"/>
+                    </a:lnL>
+                    <a:lnR w="6350" cap="flat" cmpd="sng" algn="ctr">
+                      <a:solidFill>
+                        <a:srgbClr val="000000"/>
+                      </a:solidFill>
+                      <a:prstDash val="solid"/>
+                      <a:round/>
+                      <a:headEnd type="none" w="med" len="med"/>
+                      <a:tailEnd type="none" w="med" len="med"/>
+                    </a:lnR>
+                    <a:lnT w="6350" cap="flat" cmpd="sng" algn="ctr">
+                      <a:solidFill>
+                        <a:srgbClr val="000000"/>
+                      </a:solidFill>
+                      <a:prstDash val="solid"/>
+                      <a:round/>
+                      <a:headEnd type="none" w="med" len="med"/>
+                      <a:tailEnd type="none" w="med" len="med"/>
+                    </a:lnT>
+                    <a:lnB w="6350" cap="flat" cmpd="sng" algn="ctr">
+                      <a:solidFill>
+                        <a:srgbClr val="000000"/>
+                      </a:solidFill>
+                      <a:prstDash val="solid"/>
+                      <a:round/>
+                      <a:headEnd type="none" w="med" len="med"/>
+                      <a:tailEnd type="none" w="med" len="med"/>
+                    </a:lnB>
+                    <a:solidFill>
+                      <a:srgbClr val="8EA9DB"/>
+                    </a:solidFill>
+                  </a:tcPr>
+                </a:tc>
+                <a:tc>
+                  <a:txBody>
+                    <a:bodyPr/>
+                    <a:lstStyle/>
+                    <a:p>
+                      <a:pPr algn="r" fontAlgn="b">
+                        <a:spcBef>
+                          <a:spcPts val="0"/>
+                        </a:spcBef>
+                        <a:spcAft>
+                          <a:spcPts val="0"/>
+                        </a:spcAft>
+                      </a:pPr>
+                      <a:r>
+                        <a:rPr lang="en-US" sz="3300" b="0" i="0" u="none" strike="noStrike">
+                          <a:solidFill>
+                            <a:srgbClr val="000000"/>
+                          </a:solidFill>
+                          <a:effectLst/>
+                          <a:latin typeface="Calibri" panose="020F0502020204030204" pitchFamily="34" charset="0"/>
+                        </a:rPr>
+                        <a:t>90</a:t>
+                      </a:r>
+                      <a:endParaRPr lang="en-US" sz="5000" b="0" i="0" u="none" strike="noStrike">
+                        <a:effectLst/>
+                        <a:latin typeface="Arial" panose="020B0604020202020204" pitchFamily="34" charset="0"/>
+                      </a:endParaRPr>
+                    </a:p>
+                  </a:txBody>
+                  <a:tcPr marL="26194" marR="26194" marT="26194" marB="0" anchor="b">
+                    <a:lnL w="6350" cap="flat" cmpd="sng" algn="ctr">
+                      <a:solidFill>
+                        <a:srgbClr val="000000"/>
+                      </a:solidFill>
+                      <a:prstDash val="solid"/>
+                      <a:round/>
+                      <a:headEnd type="none" w="med" len="med"/>
+                      <a:tailEnd type="none" w="med" len="med"/>
+                    </a:lnL>
+                    <a:lnR w="6350" cap="flat" cmpd="sng" algn="ctr">
+                      <a:solidFill>
+                        <a:srgbClr val="000000"/>
+                      </a:solidFill>
+                      <a:prstDash val="solid"/>
+                      <a:round/>
+                      <a:headEnd type="none" w="med" len="med"/>
+                      <a:tailEnd type="none" w="med" len="med"/>
+                    </a:lnR>
+                    <a:lnT w="6350" cap="flat" cmpd="sng" algn="ctr">
+                      <a:solidFill>
+                        <a:srgbClr val="000000"/>
+                      </a:solidFill>
+                      <a:prstDash val="solid"/>
+                      <a:round/>
+                      <a:headEnd type="none" w="med" len="med"/>
+                      <a:tailEnd type="none" w="med" len="med"/>
+                    </a:lnT>
+                    <a:lnB w="6350" cap="flat" cmpd="sng" algn="ctr">
+                      <a:solidFill>
+                        <a:srgbClr val="000000"/>
+                      </a:solidFill>
+                      <a:prstDash val="solid"/>
+                      <a:round/>
+                      <a:headEnd type="none" w="med" len="med"/>
+                      <a:tailEnd type="none" w="med" len="med"/>
+                    </a:lnB>
+                    <a:solidFill>
+                      <a:srgbClr val="F8CBAD"/>
+                    </a:solidFill>
+                  </a:tcPr>
+                </a:tc>
+                <a:extLst>
+                  <a:ext uri="{0D108BD9-81ED-4DB2-BD59-A6C34878D82A}">
+                    <a16:rowId xmlns:a16="http://schemas.microsoft.com/office/drawing/2014/main" val="1507300715"/>
+                  </a:ext>
+                </a:extLst>
+              </a:tr>
+              <a:tr h="629698">
+                <a:tc>
+                  <a:txBody>
+                    <a:bodyPr/>
+                    <a:lstStyle/>
+                    <a:p>
+                      <a:pPr algn="l" fontAlgn="b">
+                        <a:spcBef>
+                          <a:spcPts val="0"/>
+                        </a:spcBef>
+                        <a:spcAft>
+                          <a:spcPts val="0"/>
+                        </a:spcAft>
+                      </a:pPr>
+                      <a:r>
+                        <a:rPr lang="en-US" sz="3300" b="0" i="0" u="none" strike="noStrike">
+                          <a:solidFill>
+                            <a:srgbClr val="000000"/>
+                          </a:solidFill>
+                          <a:effectLst/>
+                          <a:latin typeface="Calibri" panose="020F0502020204030204" pitchFamily="34" charset="0"/>
+                        </a:rPr>
+                        <a:t>StdDev</a:t>
+                      </a:r>
+                      <a:endParaRPr lang="en-US" sz="5000" b="0" i="0" u="none" strike="noStrike">
+                        <a:effectLst/>
+                        <a:latin typeface="Arial" panose="020B0604020202020204" pitchFamily="34" charset="0"/>
+                      </a:endParaRPr>
+                    </a:p>
+                  </a:txBody>
+                  <a:tcPr marL="26194" marR="26194" marT="26194" marB="0" anchor="b">
+                    <a:lnL w="6350" cap="flat" cmpd="sng" algn="ctr">
+                      <a:solidFill>
+                        <a:srgbClr val="000000"/>
+                      </a:solidFill>
+                      <a:prstDash val="solid"/>
+                      <a:round/>
+                      <a:headEnd type="none" w="med" len="med"/>
+                      <a:tailEnd type="none" w="med" len="med"/>
+                    </a:lnL>
+                    <a:lnR w="6350" cap="flat" cmpd="sng" algn="ctr">
+                      <a:solidFill>
+                        <a:srgbClr val="000000"/>
+                      </a:solidFill>
+                      <a:prstDash val="solid"/>
+                      <a:round/>
+                      <a:headEnd type="none" w="med" len="med"/>
+                      <a:tailEnd type="none" w="med" len="med"/>
+                    </a:lnR>
+                    <a:lnT w="6350" cap="flat" cmpd="sng" algn="ctr">
+                      <a:solidFill>
+                        <a:srgbClr val="000000"/>
+                      </a:solidFill>
+                      <a:prstDash val="solid"/>
+                      <a:round/>
+                      <a:headEnd type="none" w="med" len="med"/>
+                      <a:tailEnd type="none" w="med" len="med"/>
+                    </a:lnT>
+                    <a:lnB w="6350" cap="flat" cmpd="sng" algn="ctr">
+                      <a:solidFill>
+                        <a:srgbClr val="000000"/>
+                      </a:solidFill>
+                      <a:prstDash val="solid"/>
+                      <a:round/>
+                      <a:headEnd type="none" w="med" len="med"/>
+                      <a:tailEnd type="none" w="med" len="med"/>
+                    </a:lnB>
+                    <a:solidFill>
+                      <a:srgbClr val="8EA9DB"/>
+                    </a:solidFill>
+                  </a:tcPr>
+                </a:tc>
+                <a:tc>
+                  <a:txBody>
+                    <a:bodyPr/>
+                    <a:lstStyle/>
+                    <a:p>
+                      <a:pPr algn="r" fontAlgn="b">
+                        <a:spcBef>
+                          <a:spcPts val="0"/>
+                        </a:spcBef>
+                        <a:spcAft>
+                          <a:spcPts val="0"/>
+                        </a:spcAft>
+                      </a:pPr>
+                      <a:r>
+                        <a:rPr lang="en-US" sz="3300" b="0" i="0" u="none" strike="noStrike">
+                          <a:solidFill>
+                            <a:srgbClr val="000000"/>
+                          </a:solidFill>
+                          <a:effectLst/>
+                          <a:latin typeface="Calibri" panose="020F0502020204030204" pitchFamily="34" charset="0"/>
+                        </a:rPr>
+                        <a:t>5.07267446</a:t>
+                      </a:r>
+                      <a:endParaRPr lang="en-US" sz="5000" b="0" i="0" u="none" strike="noStrike">
+                        <a:effectLst/>
+                        <a:latin typeface="Arial" panose="020B0604020202020204" pitchFamily="34" charset="0"/>
+                      </a:endParaRPr>
+                    </a:p>
+                  </a:txBody>
+                  <a:tcPr marL="26194" marR="26194" marT="26194" marB="0" anchor="b">
+                    <a:lnL w="6350" cap="flat" cmpd="sng" algn="ctr">
+                      <a:solidFill>
+                        <a:srgbClr val="000000"/>
+                      </a:solidFill>
+                      <a:prstDash val="solid"/>
+                      <a:round/>
+                      <a:headEnd type="none" w="med" len="med"/>
+                      <a:tailEnd type="none" w="med" len="med"/>
+                    </a:lnL>
+                    <a:lnR w="6350" cap="flat" cmpd="sng" algn="ctr">
+                      <a:solidFill>
+                        <a:srgbClr val="000000"/>
+                      </a:solidFill>
+                      <a:prstDash val="solid"/>
+                      <a:round/>
+                      <a:headEnd type="none" w="med" len="med"/>
+                      <a:tailEnd type="none" w="med" len="med"/>
+                    </a:lnR>
+                    <a:lnT w="6350" cap="flat" cmpd="sng" algn="ctr">
+                      <a:solidFill>
+                        <a:srgbClr val="000000"/>
+                      </a:solidFill>
+                      <a:prstDash val="solid"/>
+                      <a:round/>
+                      <a:headEnd type="none" w="med" len="med"/>
+                      <a:tailEnd type="none" w="med" len="med"/>
+                    </a:lnT>
+                    <a:lnB w="6350" cap="flat" cmpd="sng" algn="ctr">
+                      <a:solidFill>
+                        <a:srgbClr val="000000"/>
+                      </a:solidFill>
+                      <a:prstDash val="solid"/>
+                      <a:round/>
+                      <a:headEnd type="none" w="med" len="med"/>
+                      <a:tailEnd type="none" w="med" len="med"/>
+                    </a:lnB>
+                    <a:solidFill>
+                      <a:srgbClr val="F8CBAD"/>
+                    </a:solidFill>
+                  </a:tcPr>
+                </a:tc>
+                <a:extLst>
+                  <a:ext uri="{0D108BD9-81ED-4DB2-BD59-A6C34878D82A}">
+                    <a16:rowId xmlns:a16="http://schemas.microsoft.com/office/drawing/2014/main" val="3729332800"/>
+                  </a:ext>
+                </a:extLst>
+              </a:tr>
+            </a:tbl>
+          </a:graphicData>
+        </a:graphic>
+      </p:graphicFrame>
+    </p:spTree>
+    <p:extLst>
+      <p:ext uri="{BB962C8B-B14F-4D97-AF65-F5344CB8AC3E}">
+        <p14:creationId xmlns:p14="http://schemas.microsoft.com/office/powerpoint/2010/main" val="3113471066"/>
       </p:ext>
     </p:extLst>
   </p:cSld>
@@ -4647,7 +7532,7 @@
           <p:cNvPr id="2" name="Title 1">
             <a:extLst>
               <a:ext uri="{FF2B5EF4-FFF2-40B4-BE49-F238E27FC236}">
-                <a16:creationId xmlns:a16="http://schemas.microsoft.com/office/drawing/2014/main" id="{19CAC71E-1006-9444-AB22-D1E616791347}"/>
+                <a16:creationId xmlns:a16="http://schemas.microsoft.com/office/drawing/2014/main" id="{39E67A24-2368-D943-ACA0-EFC7426E0F05}"/>
               </a:ext>
             </a:extLst>
           </p:cNvPr>
@@ -4665,7 +7550,7 @@
           <a:p>
             <a:r>
               <a:rPr lang="en-US" dirty="0"/>
-              <a:t>Making sure you have the right stuff</a:t>
+              <a:t>Project 1 Review</a:t>
             </a:r>
           </a:p>
         </p:txBody>
@@ -4675,7 +7560,7 @@
           <p:cNvPr id="3" name="Content Placeholder 2">
             <a:extLst>
               <a:ext uri="{FF2B5EF4-FFF2-40B4-BE49-F238E27FC236}">
-                <a16:creationId xmlns:a16="http://schemas.microsoft.com/office/drawing/2014/main" id="{D6321D6E-E954-A347-BDAD-CC57C2F7474B}"/>
+                <a16:creationId xmlns:a16="http://schemas.microsoft.com/office/drawing/2014/main" id="{148BFEC2-1726-754F-A0CF-5E22531F94BD}"/>
               </a:ext>
             </a:extLst>
           </p:cNvPr>
@@ -4691,56 +7576,42 @@
           <a:bodyPr/>
           <a:lstStyle/>
           <a:p>
-            <a:pPr marL="0" indent="0">
-              <a:buNone/>
-            </a:pPr>
-            <a:r>
-              <a:rPr lang="en-US" dirty="0"/>
-              <a:t>Install these packages:</a:t>
-            </a:r>
-          </a:p>
-          <a:p>
+            <a:r>
+              <a:rPr lang="en-US" dirty="0"/>
+              <a:t>Difference between pages and tabs</a:t>
+            </a:r>
+          </a:p>
+          <a:p>
+            <a:r>
+              <a:rPr lang="en-US" dirty="0"/>
+              <a:t>We will do a mini reactive review during Thursday’s class</a:t>
+            </a:r>
+          </a:p>
+          <a:p>
+            <a:r>
+              <a:rPr lang="en-US" dirty="0"/>
+              <a:t>Turning in assignments - Please email me with your repo AND </a:t>
+            </a:r>
             <a:r>
               <a:rPr lang="en-US" dirty="0" err="1"/>
-              <a:t>rgdal</a:t>
-            </a:r>
-            <a:r>
-              <a:rPr lang="en-US" dirty="0"/>
-              <a:t>: </a:t>
+              <a:t>shinyapps.io</a:t>
+            </a:r>
+            <a:r>
+              <a:rPr lang="en-US" dirty="0"/>
+              <a:t> links at </a:t>
             </a:r>
             <a:r>
               <a:rPr lang="en-US" dirty="0">
                 <a:hlinkClick r:id="rId2"/>
               </a:rPr>
-              <a:t>https://github.com/cran/rgdal/blob/master/inst/README</a:t>
+              <a:t>gla@andrew.cmu.edu</a:t>
             </a:r>
             <a:endParaRPr lang="en-US" dirty="0"/>
           </a:p>
           <a:p>
-            <a:r>
-              <a:rPr lang="en-US" dirty="0" err="1"/>
-              <a:t>rgeos</a:t>
-            </a:r>
             <a:endParaRPr lang="en-US" dirty="0"/>
           </a:p>
           <a:p>
-            <a:r>
-              <a:rPr lang="en-US" dirty="0" err="1"/>
-              <a:t>sp</a:t>
-            </a:r>
-            <a:endParaRPr lang="en-US" dirty="0"/>
-          </a:p>
-          <a:p>
-            <a:r>
-              <a:rPr lang="en-US" dirty="0"/>
-              <a:t>leaflet</a:t>
-            </a:r>
-          </a:p>
-          <a:p>
-            <a:r>
-              <a:rPr lang="en-US" dirty="0" err="1"/>
-              <a:t>leaflet.extras</a:t>
-            </a:r>
             <a:endParaRPr lang="en-US" dirty="0"/>
           </a:p>
         </p:txBody>
@@ -4748,7 +7619,7 @@
     </p:spTree>
     <p:extLst>
       <p:ext uri="{BB962C8B-B14F-4D97-AF65-F5344CB8AC3E}">
-        <p14:creationId xmlns:p14="http://schemas.microsoft.com/office/powerpoint/2010/main" val="2805429434"/>
+        <p14:creationId xmlns:p14="http://schemas.microsoft.com/office/powerpoint/2010/main" val="404343934"/>
       </p:ext>
     </p:extLst>
   </p:cSld>
@@ -4780,7 +7651,7 @@
           <p:cNvPr id="2" name="Title 1">
             <a:extLst>
               <a:ext uri="{FF2B5EF4-FFF2-40B4-BE49-F238E27FC236}">
-                <a16:creationId xmlns:a16="http://schemas.microsoft.com/office/drawing/2014/main" id="{163BD7A4-6256-A94B-83B6-647741AC98BB}"/>
+                <a16:creationId xmlns:a16="http://schemas.microsoft.com/office/drawing/2014/main" id="{B962A811-3812-0743-8549-87148F94D3C1}"/>
               </a:ext>
             </a:extLst>
           </p:cNvPr>
@@ -4798,7 +7669,7 @@
           <a:p>
             <a:r>
               <a:rPr lang="en-US" dirty="0"/>
-              <a:t>What is Leaflet?</a:t>
+              <a:t>Homework 3</a:t>
             </a:r>
           </a:p>
         </p:txBody>
@@ -4808,7 +7679,7 @@
           <p:cNvPr id="3" name="Content Placeholder 2">
             <a:extLst>
               <a:ext uri="{FF2B5EF4-FFF2-40B4-BE49-F238E27FC236}">
-                <a16:creationId xmlns:a16="http://schemas.microsoft.com/office/drawing/2014/main" id="{675465BD-10EE-0F42-92A6-1D0A3895713F}"/>
+                <a16:creationId xmlns:a16="http://schemas.microsoft.com/office/drawing/2014/main" id="{971A2EDF-6F1B-244C-AA99-BEFDE0BAD866}"/>
               </a:ext>
             </a:extLst>
           </p:cNvPr>
@@ -4824,62 +7695,14 @@
           <a:bodyPr/>
           <a:lstStyle/>
           <a:p>
-            <a:r>
-              <a:rPr lang="en-US" dirty="0"/>
-              <a:t>R version of the </a:t>
-            </a:r>
-            <a:r>
-              <a:rPr lang="en-US" dirty="0" err="1"/>
-              <a:t>Javascript</a:t>
-            </a:r>
-            <a:r>
-              <a:rPr lang="en-US" dirty="0"/>
-              <a:t> API</a:t>
-            </a:r>
-          </a:p>
-          <a:p>
-            <a:r>
-              <a:rPr lang="en-US" dirty="0"/>
-              <a:t>One of the ways to get interactive maps</a:t>
-            </a:r>
-          </a:p>
-          <a:p>
-            <a:r>
-              <a:rPr lang="en-US" dirty="0"/>
-              <a:t>Others include: </a:t>
-            </a:r>
-            <a:r>
-              <a:rPr lang="en-US" dirty="0" err="1"/>
-              <a:t>tmap</a:t>
-            </a:r>
-            <a:r>
-              <a:rPr lang="en-US" dirty="0"/>
-              <a:t> &amp; </a:t>
-            </a:r>
-            <a:r>
-              <a:rPr lang="en-US" dirty="0" err="1"/>
-              <a:t>mapview</a:t>
-            </a:r>
-            <a:endParaRPr lang="en-US" dirty="0"/>
-          </a:p>
-          <a:p>
-            <a:r>
-              <a:rPr lang="en-US" dirty="0">
-                <a:hlinkClick r:id="rId2"/>
-              </a:rPr>
-              <a:t>https://rstudio.github.io/leaflet/</a:t>
-            </a:r>
-            <a:endParaRPr lang="en-US" dirty="0"/>
-          </a:p>
-          <a:p>
-            <a:endParaRPr lang="en-US" dirty="0"/>
+            <a:endParaRPr lang="en-US"/>
           </a:p>
         </p:txBody>
       </p:sp>
     </p:spTree>
     <p:extLst>
       <p:ext uri="{BB962C8B-B14F-4D97-AF65-F5344CB8AC3E}">
-        <p14:creationId xmlns:p14="http://schemas.microsoft.com/office/powerpoint/2010/main" val="3904987979"/>
+        <p14:creationId xmlns:p14="http://schemas.microsoft.com/office/powerpoint/2010/main" val="14930379"/>
       </p:ext>
     </p:extLst>
   </p:cSld>
@@ -4911,7 +7734,7 @@
           <p:cNvPr id="2" name="Title 1">
             <a:extLst>
               <a:ext uri="{FF2B5EF4-FFF2-40B4-BE49-F238E27FC236}">
-                <a16:creationId xmlns:a16="http://schemas.microsoft.com/office/drawing/2014/main" id="{933F032F-AA62-9C4E-81AD-BC39FDD4DC4B}"/>
+                <a16:creationId xmlns:a16="http://schemas.microsoft.com/office/drawing/2014/main" id="{DC54123F-79C1-7A4D-890B-CDE303DF17C2}"/>
               </a:ext>
             </a:extLst>
           </p:cNvPr>
@@ -4927,16 +7750,19 @@
           <a:bodyPr/>
           <a:lstStyle/>
           <a:p>
-            <a:endParaRPr lang="en-US" dirty="0"/>
-          </a:p>
-        </p:txBody>
-      </p:sp>
-      <p:sp>
-        <p:nvSpPr>
-          <p:cNvPr id="3" name="Content Placeholder 2">
+            <a:r>
+              <a:rPr lang="en-US" dirty="0"/>
+              <a:t>Leaflet</a:t>
+            </a:r>
+          </a:p>
+        </p:txBody>
+      </p:sp>
+      <p:sp>
+        <p:nvSpPr>
+          <p:cNvPr id="3" name="Text Placeholder 2">
             <a:extLst>
               <a:ext uri="{FF2B5EF4-FFF2-40B4-BE49-F238E27FC236}">
-                <a16:creationId xmlns:a16="http://schemas.microsoft.com/office/drawing/2014/main" id="{34E5DE4F-BFC4-684D-B2D7-61C21F984AD4}"/>
+                <a16:creationId xmlns:a16="http://schemas.microsoft.com/office/drawing/2014/main" id="{3B486944-D159-754C-964D-2715CC8FC80C}"/>
               </a:ext>
             </a:extLst>
           </p:cNvPr>
@@ -4944,7 +7770,7 @@
             <a:spLocks noGrp="1"/>
           </p:cNvSpPr>
           <p:nvPr>
-            <p:ph idx="1"/>
+            <p:ph type="body" idx="1"/>
           </p:nvPr>
         </p:nvSpPr>
         <p:spPr/>
@@ -4959,7 +7785,7 @@
     </p:spTree>
     <p:extLst>
       <p:ext uri="{BB962C8B-B14F-4D97-AF65-F5344CB8AC3E}">
-        <p14:creationId xmlns:p14="http://schemas.microsoft.com/office/powerpoint/2010/main" val="1303475575"/>
+        <p14:creationId xmlns:p14="http://schemas.microsoft.com/office/powerpoint/2010/main" val="3374088551"/>
       </p:ext>
     </p:extLst>
   </p:cSld>
@@ -4991,7 +7817,7 @@
           <p:cNvPr id="2" name="Title 1">
             <a:extLst>
               <a:ext uri="{FF2B5EF4-FFF2-40B4-BE49-F238E27FC236}">
-                <a16:creationId xmlns:a16="http://schemas.microsoft.com/office/drawing/2014/main" id="{C10713FD-8CF6-A940-B446-8DB8325767F4}"/>
+                <a16:creationId xmlns:a16="http://schemas.microsoft.com/office/drawing/2014/main" id="{19CAC71E-1006-9444-AB22-D1E616791347}"/>
               </a:ext>
             </a:extLst>
           </p:cNvPr>
@@ -5009,17 +7835,17 @@
           <a:p>
             <a:r>
               <a:rPr lang="en-US" dirty="0"/>
-              <a:t>Getting Data in</a:t>
-            </a:r>
-          </a:p>
-        </p:txBody>
-      </p:sp>
-      <p:sp>
-        <p:nvSpPr>
-          <p:cNvPr id="3" name="Text Placeholder 2">
+              <a:t>Making sure you have the right stuff</a:t>
+            </a:r>
+          </a:p>
+        </p:txBody>
+      </p:sp>
+      <p:sp>
+        <p:nvSpPr>
+          <p:cNvPr id="3" name="Content Placeholder 2">
             <a:extLst>
               <a:ext uri="{FF2B5EF4-FFF2-40B4-BE49-F238E27FC236}">
-                <a16:creationId xmlns:a16="http://schemas.microsoft.com/office/drawing/2014/main" id="{CCB14A8A-E91A-CC4F-B006-9125608D9925}"/>
+                <a16:creationId xmlns:a16="http://schemas.microsoft.com/office/drawing/2014/main" id="{D6321D6E-E954-A347-BDAD-CC57C2F7474B}"/>
               </a:ext>
             </a:extLst>
           </p:cNvPr>
@@ -5027,7 +7853,7 @@
             <a:spLocks noGrp="1"/>
           </p:cNvSpPr>
           <p:nvPr>
-            <p:ph type="body" idx="1"/>
+            <p:ph idx="1"/>
           </p:nvPr>
         </p:nvSpPr>
         <p:spPr/>
@@ -5035,14 +7861,64 @@
           <a:bodyPr/>
           <a:lstStyle/>
           <a:p>
-            <a:endParaRPr lang="en-US"/>
+            <a:pPr marL="0" indent="0">
+              <a:buNone/>
+            </a:pPr>
+            <a:r>
+              <a:rPr lang="en-US" dirty="0"/>
+              <a:t>Install these packages:</a:t>
+            </a:r>
+          </a:p>
+          <a:p>
+            <a:r>
+              <a:rPr lang="en-US" dirty="0" err="1"/>
+              <a:t>rgdal</a:t>
+            </a:r>
+            <a:r>
+              <a:rPr lang="en-US" dirty="0"/>
+              <a:t>: </a:t>
+            </a:r>
+            <a:r>
+              <a:rPr lang="en-US" dirty="0">
+                <a:hlinkClick r:id="rId2"/>
+              </a:rPr>
+              <a:t>https://github.com/cran/rgdal/blob/master/inst/README</a:t>
+            </a:r>
+            <a:endParaRPr lang="en-US" dirty="0"/>
+          </a:p>
+          <a:p>
+            <a:r>
+              <a:rPr lang="en-US" dirty="0" err="1"/>
+              <a:t>rgeos</a:t>
+            </a:r>
+            <a:endParaRPr lang="en-US" dirty="0"/>
+          </a:p>
+          <a:p>
+            <a:r>
+              <a:rPr lang="en-US" dirty="0" err="1"/>
+              <a:t>sp</a:t>
+            </a:r>
+            <a:endParaRPr lang="en-US" dirty="0"/>
+          </a:p>
+          <a:p>
+            <a:r>
+              <a:rPr lang="en-US" dirty="0"/>
+              <a:t>leaflet</a:t>
+            </a:r>
+          </a:p>
+          <a:p>
+            <a:r>
+              <a:rPr lang="en-US" dirty="0" err="1"/>
+              <a:t>leaflet.extras</a:t>
+            </a:r>
+            <a:endParaRPr lang="en-US" dirty="0"/>
           </a:p>
         </p:txBody>
       </p:sp>
     </p:spTree>
     <p:extLst>
       <p:ext uri="{BB962C8B-B14F-4D97-AF65-F5344CB8AC3E}">
-        <p14:creationId xmlns:p14="http://schemas.microsoft.com/office/powerpoint/2010/main" val="3563342946"/>
+        <p14:creationId xmlns:p14="http://schemas.microsoft.com/office/powerpoint/2010/main" val="2805429434"/>
       </p:ext>
     </p:extLst>
   </p:cSld>
@@ -5074,7 +7950,7 @@
           <p:cNvPr id="2" name="Title 1">
             <a:extLst>
               <a:ext uri="{FF2B5EF4-FFF2-40B4-BE49-F238E27FC236}">
-                <a16:creationId xmlns:a16="http://schemas.microsoft.com/office/drawing/2014/main" id="{C10713FD-8CF6-A940-B446-8DB8325767F4}"/>
+                <a16:creationId xmlns:a16="http://schemas.microsoft.com/office/drawing/2014/main" id="{163BD7A4-6256-A94B-83B6-647741AC98BB}"/>
               </a:ext>
             </a:extLst>
           </p:cNvPr>
@@ -5091,19 +7967,18 @@
           <a:lstStyle/>
           <a:p>
             <a:r>
-              <a:rPr lang="en-US"/>
-              <a:t>Shapes</a:t>
-            </a:r>
-            <a:endParaRPr lang="en-US" dirty="0"/>
-          </a:p>
-        </p:txBody>
-      </p:sp>
-      <p:sp>
-        <p:nvSpPr>
-          <p:cNvPr id="3" name="Text Placeholder 2">
+              <a:rPr lang="en-US" dirty="0"/>
+              <a:t>What is Leaflet?</a:t>
+            </a:r>
+          </a:p>
+        </p:txBody>
+      </p:sp>
+      <p:sp>
+        <p:nvSpPr>
+          <p:cNvPr id="3" name="Content Placeholder 2">
             <a:extLst>
               <a:ext uri="{FF2B5EF4-FFF2-40B4-BE49-F238E27FC236}">
-                <a16:creationId xmlns:a16="http://schemas.microsoft.com/office/drawing/2014/main" id="{CCB14A8A-E91A-CC4F-B006-9125608D9925}"/>
+                <a16:creationId xmlns:a16="http://schemas.microsoft.com/office/drawing/2014/main" id="{675465BD-10EE-0F42-92A6-1D0A3895713F}"/>
               </a:ext>
             </a:extLst>
           </p:cNvPr>
@@ -5111,7 +7986,7 @@
             <a:spLocks noGrp="1"/>
           </p:cNvSpPr>
           <p:nvPr>
-            <p:ph type="body" idx="1"/>
+            <p:ph idx="1"/>
           </p:nvPr>
         </p:nvSpPr>
         <p:spPr/>
@@ -5119,14 +7994,62 @@
           <a:bodyPr/>
           <a:lstStyle/>
           <a:p>
-            <a:endParaRPr lang="en-US"/>
+            <a:r>
+              <a:rPr lang="en-US" dirty="0"/>
+              <a:t>R version of the </a:t>
+            </a:r>
+            <a:r>
+              <a:rPr lang="en-US" dirty="0" err="1"/>
+              <a:t>Javascript</a:t>
+            </a:r>
+            <a:r>
+              <a:rPr lang="en-US" dirty="0"/>
+              <a:t> API</a:t>
+            </a:r>
+          </a:p>
+          <a:p>
+            <a:r>
+              <a:rPr lang="en-US" dirty="0"/>
+              <a:t>One of the ways to get interactive maps</a:t>
+            </a:r>
+          </a:p>
+          <a:p>
+            <a:r>
+              <a:rPr lang="en-US" dirty="0"/>
+              <a:t>Others include: </a:t>
+            </a:r>
+            <a:r>
+              <a:rPr lang="en-US" dirty="0" err="1"/>
+              <a:t>tmap</a:t>
+            </a:r>
+            <a:r>
+              <a:rPr lang="en-US" dirty="0"/>
+              <a:t> &amp; </a:t>
+            </a:r>
+            <a:r>
+              <a:rPr lang="en-US" dirty="0" err="1"/>
+              <a:t>mapview</a:t>
+            </a:r>
+            <a:endParaRPr lang="en-US" dirty="0"/>
+          </a:p>
+          <a:p>
+            <a:r>
+              <a:rPr lang="en-US" dirty="0">
+                <a:hlinkClick r:id="rId2"/>
+              </a:rPr>
+              <a:t>https://rstudio.github.io/leaflet/</a:t>
+            </a:r>
+            <a:endParaRPr lang="en-US" dirty="0"/>
+          </a:p>
+          <a:p>
+            <a:endParaRPr lang="en-US" dirty="0"/>
           </a:p>
         </p:txBody>
       </p:sp>
     </p:spTree>
     <p:extLst>
       <p:ext uri="{BB962C8B-B14F-4D97-AF65-F5344CB8AC3E}">
-        <p14:creationId xmlns:p14="http://schemas.microsoft.com/office/powerpoint/2010/main" val="3812106291"/>
+        <p14:creationId xmlns:p14="http://schemas.microsoft.com/office/powerpoint/2010/main" val="3904987979"/>
       </p:ext>
     </p:extLst>
   </p:cSld>
@@ -5158,7 +8081,7 @@
           <p:cNvPr id="2" name="Title 1">
             <a:extLst>
               <a:ext uri="{FF2B5EF4-FFF2-40B4-BE49-F238E27FC236}">
-                <a16:creationId xmlns:a16="http://schemas.microsoft.com/office/drawing/2014/main" id="{630B28CF-9A9F-BB44-B219-CB5CE04F45F0}"/>
+                <a16:creationId xmlns:a16="http://schemas.microsoft.com/office/drawing/2014/main" id="{C10713FD-8CF6-A940-B446-8DB8325767F4}"/>
               </a:ext>
             </a:extLst>
           </p:cNvPr>
@@ -5176,7 +8099,7 @@
           <a:p>
             <a:r>
               <a:rPr lang="en-US" dirty="0"/>
-              <a:t>For Next Week</a:t>
+              <a:t>Getting Data in</a:t>
             </a:r>
           </a:p>
         </p:txBody>
@@ -5186,7 +8109,7 @@
           <p:cNvPr id="3" name="Text Placeholder 2">
             <a:extLst>
               <a:ext uri="{FF2B5EF4-FFF2-40B4-BE49-F238E27FC236}">
-                <a16:creationId xmlns:a16="http://schemas.microsoft.com/office/drawing/2014/main" id="{88282735-CB15-C446-86EE-E7142686654E}"/>
+                <a16:creationId xmlns:a16="http://schemas.microsoft.com/office/drawing/2014/main" id="{CCB14A8A-E91A-CC4F-B006-9125608D9925}"/>
               </a:ext>
             </a:extLst>
           </p:cNvPr>
@@ -5202,14 +8125,14 @@
           <a:bodyPr/>
           <a:lstStyle/>
           <a:p>
-            <a:endParaRPr lang="en-US" dirty="0"/>
+            <a:endParaRPr lang="en-US"/>
           </a:p>
         </p:txBody>
       </p:sp>
     </p:spTree>
     <p:extLst>
       <p:ext uri="{BB962C8B-B14F-4D97-AF65-F5344CB8AC3E}">
-        <p14:creationId xmlns:p14="http://schemas.microsoft.com/office/powerpoint/2010/main" val="1211274615"/>
+        <p14:creationId xmlns:p14="http://schemas.microsoft.com/office/powerpoint/2010/main" val="3563342946"/>
       </p:ext>
     </p:extLst>
   </p:cSld>
